--- a/Тестування_Балан_Лаб1.pptx
+++ b/Тестування_Балан_Лаб1.pptx
@@ -1,146 +1,53 @@
 
 <file path=ppt/presentation.xml><?xml version="1.0" encoding="utf-8"?>
-<p:presentation xmlns:a="http://schemas.openxmlformats.org/drawingml/2006/main" xmlns:r="http://schemas.openxmlformats.org/officeDocument/2006/relationships" xmlns:p="http://schemas.openxmlformats.org/presentationml/2006/main" saveSubsetFonts="1" embedTrueTypeFonts="true">
+<p:presentation xmlns:a="http://schemas.openxmlformats.org/drawingml/2006/main" xmlns:r="http://schemas.openxmlformats.org/officeDocument/2006/relationships" xmlns:p="http://schemas.openxmlformats.org/presentationml/2006/main" embedTrueTypeFonts="1" saveSubsetFonts="1">
   <p:sldMasterIdLst>
     <p:sldMasterId id="2147483648" r:id="rId1"/>
   </p:sldMasterIdLst>
   <p:sldIdLst>
-    <p:sldId id="256" r:id="rId36"/>
-    <p:sldId id="257" r:id="rId37"/>
-    <p:sldId id="258" r:id="rId38"/>
-    <p:sldId id="259" r:id="rId39"/>
-    <p:sldId id="260" r:id="rId40"/>
-    <p:sldId id="261" r:id="rId41"/>
-    <p:sldId id="262" r:id="rId42"/>
-    <p:sldId id="263" r:id="rId43"/>
-    <p:sldId id="264" r:id="rId44"/>
-    <p:sldId id="265" r:id="rId45"/>
-    <p:sldId id="266" r:id="rId46"/>
-    <p:sldId id="267" r:id="rId47"/>
-    <p:sldId id="268" r:id="rId48"/>
+    <p:sldId id="256" r:id="rId2"/>
+    <p:sldId id="257" r:id="rId3"/>
+    <p:sldId id="258" r:id="rId4"/>
+    <p:sldId id="259" r:id="rId5"/>
+    <p:sldId id="260" r:id="rId6"/>
+    <p:sldId id="261" r:id="rId7"/>
+    <p:sldId id="262" r:id="rId8"/>
+    <p:sldId id="263" r:id="rId9"/>
+    <p:sldId id="264" r:id="rId10"/>
+    <p:sldId id="265" r:id="rId11"/>
+    <p:sldId id="266" r:id="rId12"/>
+    <p:sldId id="267" r:id="rId13"/>
+    <p:sldId id="268" r:id="rId14"/>
   </p:sldIdLst>
   <p:sldSz cx="18288000" cy="10287000"/>
   <p:notesSz cx="6858000" cy="9144000"/>
   <p:embeddedFontLst>
     <p:embeddedFont>
-      <p:font typeface="Oswald" charset="1" panose="00000500000000000000"/>
-      <p:regular r:id="rId6"/>
+      <p:font typeface="Calibri" panose="020F0502020204030204" pitchFamily="34" charset="0"/>
+      <p:regular r:id="rId15"/>
+      <p:bold r:id="rId16"/>
+      <p:italic r:id="rId17"/>
+      <p:boldItalic r:id="rId18"/>
     </p:embeddedFont>
     <p:embeddedFont>
-      <p:font typeface="Oswald Bold" charset="1" panose="00000800000000000000"/>
-      <p:regular r:id="rId7"/>
-    </p:embeddedFont>
-    <p:embeddedFont>
-      <p:font typeface="Arimo" charset="1" panose="020B0604020202020204"/>
-      <p:regular r:id="rId8"/>
-    </p:embeddedFont>
-    <p:embeddedFont>
-      <p:font typeface="Arimo Bold" charset="1" panose="020B0704020202020204"/>
-      <p:regular r:id="rId9"/>
-    </p:embeddedFont>
-    <p:embeddedFont>
-      <p:font typeface="Arimo Italics" charset="1" panose="020B0604020202090204"/>
-      <p:regular r:id="rId10"/>
-    </p:embeddedFont>
-    <p:embeddedFont>
-      <p:font typeface="Arimo Bold Italics" charset="1" panose="020B0704020202090204"/>
-      <p:regular r:id="rId11"/>
-    </p:embeddedFont>
-    <p:embeddedFont>
-      <p:font typeface="PT Serif" charset="1" panose="020A0603040505020204"/>
-      <p:regular r:id="rId12"/>
-    </p:embeddedFont>
-    <p:embeddedFont>
-      <p:font typeface="PT Serif Bold" charset="1" panose="020A0703040505020204"/>
-      <p:regular r:id="rId13"/>
-    </p:embeddedFont>
-    <p:embeddedFont>
-      <p:font typeface="PT Serif Italics" charset="1" panose="020A0603040505090204"/>
-      <p:regular r:id="rId14"/>
-    </p:embeddedFont>
-    <p:embeddedFont>
-      <p:font typeface="PT Serif Bold Italics" charset="1" panose="020A0703040505090204"/>
-      <p:regular r:id="rId15"/>
-    </p:embeddedFont>
-    <p:embeddedFont>
-      <p:font typeface="Montserrat Light" charset="1" panose="00000400000000000000"/>
-      <p:regular r:id="rId16"/>
-    </p:embeddedFont>
-    <p:embeddedFont>
-      <p:font typeface="Montserrat Light Bold" charset="1" panose="00000800000000000000"/>
-      <p:regular r:id="rId17"/>
-    </p:embeddedFont>
-    <p:embeddedFont>
-      <p:font typeface="Montserrat Light Italics" charset="1" panose="00000400000000000000"/>
-      <p:regular r:id="rId18"/>
-    </p:embeddedFont>
-    <p:embeddedFont>
-      <p:font typeface="Montserrat Light Bold Italics" charset="1" panose="00000800000000000000"/>
+      <p:font typeface="DM Sans" panose="020B0604020202020204" charset="0"/>
       <p:regular r:id="rId19"/>
     </p:embeddedFont>
     <p:embeddedFont>
-      <p:font typeface="DM Sans" charset="1" panose="00000000000000000000"/>
+      <p:font typeface="DM Sans Italics" panose="020B0604020202020204" charset="0"/>
       <p:regular r:id="rId20"/>
     </p:embeddedFont>
     <p:embeddedFont>
-      <p:font typeface="DM Sans Bold" charset="1" panose="00000000000000000000"/>
+      <p:font typeface="Montserrat Light" panose="020B0604020202020204" charset="0"/>
       <p:regular r:id="rId21"/>
     </p:embeddedFont>
     <p:embeddedFont>
-      <p:font typeface="DM Sans Italics" charset="1" panose="00000000000000000000"/>
+      <p:font typeface="Oswald Bold" panose="020B0604020202020204" charset="-52"/>
       <p:regular r:id="rId22"/>
     </p:embeddedFont>
     <p:embeddedFont>
-      <p:font typeface="DM Sans Bold Italics" charset="1" panose="00000000000000000000"/>
+      <p:font typeface="PT Serif Bold" panose="020B0604020202020204" charset="-52"/>
       <p:regular r:id="rId23"/>
-    </p:embeddedFont>
-    <p:embeddedFont>
-      <p:font typeface="Open Sauce" charset="1" panose="00000500000000000000"/>
-      <p:regular r:id="rId24"/>
-    </p:embeddedFont>
-    <p:embeddedFont>
-      <p:font typeface="Open Sauce Bold" charset="1" panose="00000800000000000000"/>
-      <p:regular r:id="rId25"/>
-    </p:embeddedFont>
-    <p:embeddedFont>
-      <p:font typeface="Open Sauce Italics" charset="1" panose="00000500000000000000"/>
-      <p:regular r:id="rId26"/>
-    </p:embeddedFont>
-    <p:embeddedFont>
-      <p:font typeface="Open Sauce Bold Italics" charset="1" panose="00000800000000000000"/>
-      <p:regular r:id="rId27"/>
-    </p:embeddedFont>
-    <p:embeddedFont>
-      <p:font typeface="Open Sauce Light" charset="1" panose="00000400000000000000"/>
-      <p:regular r:id="rId28"/>
-    </p:embeddedFont>
-    <p:embeddedFont>
-      <p:font typeface="Open Sauce Light Italics" charset="1" panose="00000400000000000000"/>
-      <p:regular r:id="rId29"/>
-    </p:embeddedFont>
-    <p:embeddedFont>
-      <p:font typeface="Open Sauce Medium" charset="1" panose="00000600000000000000"/>
-      <p:regular r:id="rId30"/>
-    </p:embeddedFont>
-    <p:embeddedFont>
-      <p:font typeface="Open Sauce Medium Italics" charset="1" panose="00000600000000000000"/>
-      <p:regular r:id="rId31"/>
-    </p:embeddedFont>
-    <p:embeddedFont>
-      <p:font typeface="Open Sauce Semi-Bold" charset="1" panose="00000700000000000000"/>
-      <p:regular r:id="rId32"/>
-    </p:embeddedFont>
-    <p:embeddedFont>
-      <p:font typeface="Open Sauce Semi-Bold Italics" charset="1" panose="00000700000000000000"/>
-      <p:regular r:id="rId33"/>
-    </p:embeddedFont>
-    <p:embeddedFont>
-      <p:font typeface="Open Sauce Heavy" charset="1" panose="00000A00000000000000"/>
-      <p:regular r:id="rId34"/>
-    </p:embeddedFont>
-    <p:embeddedFont>
-      <p:font typeface="Open Sauce Heavy Italics" charset="1" panose="00000A00000000000000"/>
-      <p:regular r:id="rId35"/>
     </p:embeddedFont>
   </p:embeddedFontLst>
   <p:defaultTextStyle>
@@ -238,6 +145,22 @@
       </a:defRPr>
     </a:lvl9pPr>
   </p:defaultTextStyle>
+  <p:extLst>
+    <p:ext uri="{EFAFB233-063F-42B5-8137-9DF3F51BA10A}">
+      <p15:sldGuideLst xmlns:p15="http://schemas.microsoft.com/office/powerpoint/2012/main">
+        <p15:guide id="1" orient="horz" pos="2160">
+          <p15:clr>
+            <a:srgbClr val="A4A3A4"/>
+          </p15:clr>
+        </p15:guide>
+        <p15:guide id="2" pos="2880">
+          <p15:clr>
+            <a:srgbClr val="A4A3A4"/>
+          </p15:clr>
+        </p15:guide>
+      </p15:sldGuideLst>
+    </p:ext>
+  </p:extLst>
 </p:presentation>
 </file>
 
@@ -279,10 +202,9 @@
           <a:lstStyle/>
           <a:p>
             <a:r>
-              <a:rPr lang="en-US" smtClean="0"/>
+              <a:rPr lang="en-US"/>
               <a:t>Click to edit Master title style</a:t>
             </a:r>
-            <a:endParaRPr lang="en-US"/>
           </a:p>
         </p:txBody>
       </p:sp>
@@ -398,10 +320,9 @@
           </a:lstStyle>
           <a:p>
             <a:r>
-              <a:rPr lang="en-US" smtClean="0"/>
+              <a:rPr lang="en-US"/>
               <a:t>Click to edit Master subtitle style</a:t>
             </a:r>
-            <a:endParaRPr lang="en-US"/>
           </a:p>
         </p:txBody>
       </p:sp>
@@ -423,7 +344,7 @@
             <a:fld id="{1D8BD707-D9CF-40AE-B4C6-C98DA3205C09}" type="datetimeFigureOut">
               <a:rPr lang="en-US" smtClean="0"/>
               <a:pPr/>
-              <a:t>8/1/2011</a:t>
+              <a:t>9/25/2023</a:t>
             </a:fld>
             <a:endParaRPr lang="en-US"/>
           </a:p>
@@ -513,10 +434,9 @@
           <a:lstStyle/>
           <a:p>
             <a:r>
-              <a:rPr lang="en-US" smtClean="0"/>
+              <a:rPr lang="en-US"/>
               <a:t>Click to edit Master title style</a:t>
             </a:r>
-            <a:endParaRPr lang="en-US"/>
           </a:p>
         </p:txBody>
       </p:sp>
@@ -537,38 +457,37 @@
           <a:p>
             <a:pPr lvl="0"/>
             <a:r>
-              <a:rPr lang="en-US" smtClean="0"/>
+              <a:rPr lang="en-US"/>
               <a:t>Click to edit Master text styles</a:t>
             </a:r>
           </a:p>
           <a:p>
             <a:pPr lvl="1"/>
             <a:r>
-              <a:rPr lang="en-US" smtClean="0"/>
+              <a:rPr lang="en-US"/>
               <a:t>Second level</a:t>
             </a:r>
           </a:p>
           <a:p>
             <a:pPr lvl="2"/>
             <a:r>
-              <a:rPr lang="en-US" smtClean="0"/>
+              <a:rPr lang="en-US"/>
               <a:t>Third level</a:t>
             </a:r>
           </a:p>
           <a:p>
             <a:pPr lvl="3"/>
             <a:r>
-              <a:rPr lang="en-US" smtClean="0"/>
+              <a:rPr lang="en-US"/>
               <a:t>Fourth level</a:t>
             </a:r>
           </a:p>
           <a:p>
             <a:pPr lvl="4"/>
             <a:r>
-              <a:rPr lang="en-US" smtClean="0"/>
+              <a:rPr lang="en-US"/>
               <a:t>Fifth level</a:t>
             </a:r>
-            <a:endParaRPr lang="en-US"/>
           </a:p>
         </p:txBody>
       </p:sp>
@@ -590,7 +509,7 @@
             <a:fld id="{1D8BD707-D9CF-40AE-B4C6-C98DA3205C09}" type="datetimeFigureOut">
               <a:rPr lang="en-US" smtClean="0"/>
               <a:pPr/>
-              <a:t>8/1/2011</a:t>
+              <a:t>9/25/2023</a:t>
             </a:fld>
             <a:endParaRPr lang="en-US"/>
           </a:p>
@@ -685,10 +604,9 @@
           <a:lstStyle/>
           <a:p>
             <a:r>
-              <a:rPr lang="en-US" smtClean="0"/>
+              <a:rPr lang="en-US"/>
               <a:t>Click to edit Master title style</a:t>
             </a:r>
-            <a:endParaRPr lang="en-US"/>
           </a:p>
         </p:txBody>
       </p:sp>
@@ -714,38 +632,37 @@
           <a:p>
             <a:pPr lvl="0"/>
             <a:r>
-              <a:rPr lang="en-US" smtClean="0"/>
+              <a:rPr lang="en-US"/>
               <a:t>Click to edit Master text styles</a:t>
             </a:r>
           </a:p>
           <a:p>
             <a:pPr lvl="1"/>
             <a:r>
-              <a:rPr lang="en-US" smtClean="0"/>
+              <a:rPr lang="en-US"/>
               <a:t>Second level</a:t>
             </a:r>
           </a:p>
           <a:p>
             <a:pPr lvl="2"/>
             <a:r>
-              <a:rPr lang="en-US" smtClean="0"/>
+              <a:rPr lang="en-US"/>
               <a:t>Third level</a:t>
             </a:r>
           </a:p>
           <a:p>
             <a:pPr lvl="3"/>
             <a:r>
-              <a:rPr lang="en-US" smtClean="0"/>
+              <a:rPr lang="en-US"/>
               <a:t>Fourth level</a:t>
             </a:r>
           </a:p>
           <a:p>
             <a:pPr lvl="4"/>
             <a:r>
-              <a:rPr lang="en-US" smtClean="0"/>
+              <a:rPr lang="en-US"/>
               <a:t>Fifth level</a:t>
             </a:r>
-            <a:endParaRPr lang="en-US"/>
           </a:p>
         </p:txBody>
       </p:sp>
@@ -767,7 +684,7 @@
             <a:fld id="{1D8BD707-D9CF-40AE-B4C6-C98DA3205C09}" type="datetimeFigureOut">
               <a:rPr lang="en-US" smtClean="0"/>
               <a:pPr/>
-              <a:t>8/1/2011</a:t>
+              <a:t>9/25/2023</a:t>
             </a:fld>
             <a:endParaRPr lang="en-US"/>
           </a:p>
@@ -857,10 +774,9 @@
           <a:lstStyle/>
           <a:p>
             <a:r>
-              <a:rPr lang="en-US" smtClean="0"/>
+              <a:rPr lang="en-US"/>
               <a:t>Click to edit Master title style</a:t>
             </a:r>
-            <a:endParaRPr lang="en-US"/>
           </a:p>
         </p:txBody>
       </p:sp>
@@ -881,38 +797,37 @@
           <a:p>
             <a:pPr lvl="0"/>
             <a:r>
-              <a:rPr lang="en-US" smtClean="0"/>
+              <a:rPr lang="en-US"/>
               <a:t>Click to edit Master text styles</a:t>
             </a:r>
           </a:p>
           <a:p>
             <a:pPr lvl="1"/>
             <a:r>
-              <a:rPr lang="en-US" smtClean="0"/>
+              <a:rPr lang="en-US"/>
               <a:t>Second level</a:t>
             </a:r>
           </a:p>
           <a:p>
             <a:pPr lvl="2"/>
             <a:r>
-              <a:rPr lang="en-US" smtClean="0"/>
+              <a:rPr lang="en-US"/>
               <a:t>Third level</a:t>
             </a:r>
           </a:p>
           <a:p>
             <a:pPr lvl="3"/>
             <a:r>
-              <a:rPr lang="en-US" smtClean="0"/>
+              <a:rPr lang="en-US"/>
               <a:t>Fourth level</a:t>
             </a:r>
           </a:p>
           <a:p>
             <a:pPr lvl="4"/>
             <a:r>
-              <a:rPr lang="en-US" smtClean="0"/>
+              <a:rPr lang="en-US"/>
               <a:t>Fifth level</a:t>
             </a:r>
-            <a:endParaRPr lang="en-US"/>
           </a:p>
         </p:txBody>
       </p:sp>
@@ -934,7 +849,7 @@
             <a:fld id="{1D8BD707-D9CF-40AE-B4C6-C98DA3205C09}" type="datetimeFigureOut">
               <a:rPr lang="en-US" smtClean="0"/>
               <a:pPr/>
-              <a:t>8/1/2011</a:t>
+              <a:t>9/25/2023</a:t>
             </a:fld>
             <a:endParaRPr lang="en-US"/>
           </a:p>
@@ -1033,10 +948,9 @@
           </a:lstStyle>
           <a:p>
             <a:r>
-              <a:rPr lang="en-US" smtClean="0"/>
+              <a:rPr lang="en-US"/>
               <a:t>Click to edit Master title style</a:t>
             </a:r>
-            <a:endParaRPr lang="en-US"/>
           </a:p>
         </p:txBody>
       </p:sp>
@@ -1153,7 +1067,7 @@
           <a:p>
             <a:pPr lvl="0"/>
             <a:r>
-              <a:rPr lang="en-US" smtClean="0"/>
+              <a:rPr lang="en-US"/>
               <a:t>Click to edit Master text styles</a:t>
             </a:r>
           </a:p>
@@ -1177,7 +1091,7 @@
             <a:fld id="{1D8BD707-D9CF-40AE-B4C6-C98DA3205C09}" type="datetimeFigureOut">
               <a:rPr lang="en-US" smtClean="0"/>
               <a:pPr/>
-              <a:t>8/1/2011</a:t>
+              <a:t>9/25/2023</a:t>
             </a:fld>
             <a:endParaRPr lang="en-US"/>
           </a:p>
@@ -1267,10 +1181,9 @@
           <a:lstStyle/>
           <a:p>
             <a:r>
-              <a:rPr lang="en-US" smtClean="0"/>
+              <a:rPr lang="en-US"/>
               <a:t>Click to edit Master title style</a:t>
             </a:r>
-            <a:endParaRPr lang="en-US"/>
           </a:p>
         </p:txBody>
       </p:sp>
@@ -1324,38 +1237,37 @@
           <a:p>
             <a:pPr lvl="0"/>
             <a:r>
-              <a:rPr lang="en-US" smtClean="0"/>
+              <a:rPr lang="en-US"/>
               <a:t>Click to edit Master text styles</a:t>
             </a:r>
           </a:p>
           <a:p>
             <a:pPr lvl="1"/>
             <a:r>
-              <a:rPr lang="en-US" smtClean="0"/>
+              <a:rPr lang="en-US"/>
               <a:t>Second level</a:t>
             </a:r>
           </a:p>
           <a:p>
             <a:pPr lvl="2"/>
             <a:r>
-              <a:rPr lang="en-US" smtClean="0"/>
+              <a:rPr lang="en-US"/>
               <a:t>Third level</a:t>
             </a:r>
           </a:p>
           <a:p>
             <a:pPr lvl="3"/>
             <a:r>
-              <a:rPr lang="en-US" smtClean="0"/>
+              <a:rPr lang="en-US"/>
               <a:t>Fourth level</a:t>
             </a:r>
           </a:p>
           <a:p>
             <a:pPr lvl="4"/>
             <a:r>
-              <a:rPr lang="en-US" smtClean="0"/>
+              <a:rPr lang="en-US"/>
               <a:t>Fifth level</a:t>
             </a:r>
-            <a:endParaRPr lang="en-US"/>
           </a:p>
         </p:txBody>
       </p:sp>
@@ -1409,38 +1321,37 @@
           <a:p>
             <a:pPr lvl="0"/>
             <a:r>
-              <a:rPr lang="en-US" smtClean="0"/>
+              <a:rPr lang="en-US"/>
               <a:t>Click to edit Master text styles</a:t>
             </a:r>
           </a:p>
           <a:p>
             <a:pPr lvl="1"/>
             <a:r>
-              <a:rPr lang="en-US" smtClean="0"/>
+              <a:rPr lang="en-US"/>
               <a:t>Second level</a:t>
             </a:r>
           </a:p>
           <a:p>
             <a:pPr lvl="2"/>
             <a:r>
-              <a:rPr lang="en-US" smtClean="0"/>
+              <a:rPr lang="en-US"/>
               <a:t>Third level</a:t>
             </a:r>
           </a:p>
           <a:p>
             <a:pPr lvl="3"/>
             <a:r>
-              <a:rPr lang="en-US" smtClean="0"/>
+              <a:rPr lang="en-US"/>
               <a:t>Fourth level</a:t>
             </a:r>
           </a:p>
           <a:p>
             <a:pPr lvl="4"/>
             <a:r>
-              <a:rPr lang="en-US" smtClean="0"/>
+              <a:rPr lang="en-US"/>
               <a:t>Fifth level</a:t>
             </a:r>
-            <a:endParaRPr lang="en-US"/>
           </a:p>
         </p:txBody>
       </p:sp>
@@ -1462,7 +1373,7 @@
             <a:fld id="{1D8BD707-D9CF-40AE-B4C6-C98DA3205C09}" type="datetimeFigureOut">
               <a:rPr lang="en-US" smtClean="0"/>
               <a:pPr/>
-              <a:t>8/1/2011</a:t>
+              <a:t>9/25/2023</a:t>
             </a:fld>
             <a:endParaRPr lang="en-US"/>
           </a:p>
@@ -1556,10 +1467,9 @@
           </a:lstStyle>
           <a:p>
             <a:r>
-              <a:rPr lang="en-US" smtClean="0"/>
+              <a:rPr lang="en-US"/>
               <a:t>Click to edit Master title style</a:t>
             </a:r>
-            <a:endParaRPr lang="en-US"/>
           </a:p>
         </p:txBody>
       </p:sp>
@@ -1622,7 +1532,7 @@
           <a:p>
             <a:pPr lvl="0"/>
             <a:r>
-              <a:rPr lang="en-US" smtClean="0"/>
+              <a:rPr lang="en-US"/>
               <a:t>Click to edit Master text styles</a:t>
             </a:r>
           </a:p>
@@ -1678,38 +1588,37 @@
           <a:p>
             <a:pPr lvl="0"/>
             <a:r>
-              <a:rPr lang="en-US" smtClean="0"/>
+              <a:rPr lang="en-US"/>
               <a:t>Click to edit Master text styles</a:t>
             </a:r>
           </a:p>
           <a:p>
             <a:pPr lvl="1"/>
             <a:r>
-              <a:rPr lang="en-US" smtClean="0"/>
+              <a:rPr lang="en-US"/>
               <a:t>Second level</a:t>
             </a:r>
           </a:p>
           <a:p>
             <a:pPr lvl="2"/>
             <a:r>
-              <a:rPr lang="en-US" smtClean="0"/>
+              <a:rPr lang="en-US"/>
               <a:t>Third level</a:t>
             </a:r>
           </a:p>
           <a:p>
             <a:pPr lvl="3"/>
             <a:r>
-              <a:rPr lang="en-US" smtClean="0"/>
+              <a:rPr lang="en-US"/>
               <a:t>Fourth level</a:t>
             </a:r>
           </a:p>
           <a:p>
             <a:pPr lvl="4"/>
             <a:r>
-              <a:rPr lang="en-US" smtClean="0"/>
+              <a:rPr lang="en-US"/>
               <a:t>Fifth level</a:t>
             </a:r>
-            <a:endParaRPr lang="en-US"/>
           </a:p>
         </p:txBody>
       </p:sp>
@@ -1772,7 +1681,7 @@
           <a:p>
             <a:pPr lvl="0"/>
             <a:r>
-              <a:rPr lang="en-US" smtClean="0"/>
+              <a:rPr lang="en-US"/>
               <a:t>Click to edit Master text styles</a:t>
             </a:r>
           </a:p>
@@ -1828,38 +1737,37 @@
           <a:p>
             <a:pPr lvl="0"/>
             <a:r>
-              <a:rPr lang="en-US" smtClean="0"/>
+              <a:rPr lang="en-US"/>
               <a:t>Click to edit Master text styles</a:t>
             </a:r>
           </a:p>
           <a:p>
             <a:pPr lvl="1"/>
             <a:r>
-              <a:rPr lang="en-US" smtClean="0"/>
+              <a:rPr lang="en-US"/>
               <a:t>Second level</a:t>
             </a:r>
           </a:p>
           <a:p>
             <a:pPr lvl="2"/>
             <a:r>
-              <a:rPr lang="en-US" smtClean="0"/>
+              <a:rPr lang="en-US"/>
               <a:t>Third level</a:t>
             </a:r>
           </a:p>
           <a:p>
             <a:pPr lvl="3"/>
             <a:r>
-              <a:rPr lang="en-US" smtClean="0"/>
+              <a:rPr lang="en-US"/>
               <a:t>Fourth level</a:t>
             </a:r>
           </a:p>
           <a:p>
             <a:pPr lvl="4"/>
             <a:r>
-              <a:rPr lang="en-US" smtClean="0"/>
+              <a:rPr lang="en-US"/>
               <a:t>Fifth level</a:t>
             </a:r>
-            <a:endParaRPr lang="en-US"/>
           </a:p>
         </p:txBody>
       </p:sp>
@@ -1881,7 +1789,7 @@
             <a:fld id="{1D8BD707-D9CF-40AE-B4C6-C98DA3205C09}" type="datetimeFigureOut">
               <a:rPr lang="en-US" smtClean="0"/>
               <a:pPr/>
-              <a:t>8/1/2011</a:t>
+              <a:t>9/25/2023</a:t>
             </a:fld>
             <a:endParaRPr lang="en-US"/>
           </a:p>
@@ -1971,10 +1879,9 @@
           <a:lstStyle/>
           <a:p>
             <a:r>
-              <a:rPr lang="en-US" smtClean="0"/>
+              <a:rPr lang="en-US"/>
               <a:t>Click to edit Master title style</a:t>
             </a:r>
-            <a:endParaRPr lang="en-US"/>
           </a:p>
         </p:txBody>
       </p:sp>
@@ -1996,7 +1903,7 @@
             <a:fld id="{1D8BD707-D9CF-40AE-B4C6-C98DA3205C09}" type="datetimeFigureOut">
               <a:rPr lang="en-US" smtClean="0"/>
               <a:pPr/>
-              <a:t>8/1/2011</a:t>
+              <a:t>9/25/2023</a:t>
             </a:fld>
             <a:endParaRPr lang="en-US"/>
           </a:p>
@@ -2088,7 +1995,7 @@
             <a:fld id="{1D8BD707-D9CF-40AE-B4C6-C98DA3205C09}" type="datetimeFigureOut">
               <a:rPr lang="en-US" smtClean="0"/>
               <a:pPr/>
-              <a:t>8/1/2011</a:t>
+              <a:t>9/25/2023</a:t>
             </a:fld>
             <a:endParaRPr lang="en-US"/>
           </a:p>
@@ -2187,10 +2094,9 @@
           </a:lstStyle>
           <a:p>
             <a:r>
-              <a:rPr lang="en-US" smtClean="0"/>
+              <a:rPr lang="en-US"/>
               <a:t>Click to edit Master title style</a:t>
             </a:r>
-            <a:endParaRPr lang="en-US"/>
           </a:p>
         </p:txBody>
       </p:sp>
@@ -2244,38 +2150,37 @@
           <a:p>
             <a:pPr lvl="0"/>
             <a:r>
-              <a:rPr lang="en-US" smtClean="0"/>
+              <a:rPr lang="en-US"/>
               <a:t>Click to edit Master text styles</a:t>
             </a:r>
           </a:p>
           <a:p>
             <a:pPr lvl="1"/>
             <a:r>
-              <a:rPr lang="en-US" smtClean="0"/>
+              <a:rPr lang="en-US"/>
               <a:t>Second level</a:t>
             </a:r>
           </a:p>
           <a:p>
             <a:pPr lvl="2"/>
             <a:r>
-              <a:rPr lang="en-US" smtClean="0"/>
+              <a:rPr lang="en-US"/>
               <a:t>Third level</a:t>
             </a:r>
           </a:p>
           <a:p>
             <a:pPr lvl="3"/>
             <a:r>
-              <a:rPr lang="en-US" smtClean="0"/>
+              <a:rPr lang="en-US"/>
               <a:t>Fourth level</a:t>
             </a:r>
           </a:p>
           <a:p>
             <a:pPr lvl="4"/>
             <a:r>
-              <a:rPr lang="en-US" smtClean="0"/>
+              <a:rPr lang="en-US"/>
               <a:t>Fifth level</a:t>
             </a:r>
-            <a:endParaRPr lang="en-US"/>
           </a:p>
         </p:txBody>
       </p:sp>
@@ -2338,7 +2243,7 @@
           <a:p>
             <a:pPr lvl="0"/>
             <a:r>
-              <a:rPr lang="en-US" smtClean="0"/>
+              <a:rPr lang="en-US"/>
               <a:t>Click to edit Master text styles</a:t>
             </a:r>
           </a:p>
@@ -2362,7 +2267,7 @@
             <a:fld id="{1D8BD707-D9CF-40AE-B4C6-C98DA3205C09}" type="datetimeFigureOut">
               <a:rPr lang="en-US" smtClean="0"/>
               <a:pPr/>
-              <a:t>8/1/2011</a:t>
+              <a:t>9/25/2023</a:t>
             </a:fld>
             <a:endParaRPr lang="en-US"/>
           </a:p>
@@ -2461,10 +2366,9 @@
           </a:lstStyle>
           <a:p>
             <a:r>
-              <a:rPr lang="en-US" smtClean="0"/>
+              <a:rPr lang="en-US"/>
               <a:t>Click to edit Master title style</a:t>
             </a:r>
-            <a:endParaRPr lang="en-US"/>
           </a:p>
         </p:txBody>
       </p:sp>
@@ -2588,7 +2492,7 @@
           <a:p>
             <a:pPr lvl="0"/>
             <a:r>
-              <a:rPr lang="en-US" smtClean="0"/>
+              <a:rPr lang="en-US"/>
               <a:t>Click to edit Master text styles</a:t>
             </a:r>
           </a:p>
@@ -2612,7 +2516,7 @@
             <a:fld id="{1D8BD707-D9CF-40AE-B4C6-C98DA3205C09}" type="datetimeFigureOut">
               <a:rPr lang="en-US" smtClean="0"/>
               <a:pPr/>
-              <a:t>8/1/2011</a:t>
+              <a:t>9/25/2023</a:t>
             </a:fld>
             <a:endParaRPr lang="en-US"/>
           </a:p>
@@ -2717,10 +2621,9 @@
           <a:lstStyle/>
           <a:p>
             <a:r>
-              <a:rPr lang="en-US" smtClean="0"/>
+              <a:rPr lang="en-US"/>
               <a:t>Click to edit Master title style</a:t>
             </a:r>
-            <a:endParaRPr lang="en-US"/>
           </a:p>
         </p:txBody>
       </p:sp>
@@ -2751,38 +2654,37 @@
           <a:p>
             <a:pPr lvl="0"/>
             <a:r>
-              <a:rPr lang="en-US" smtClean="0"/>
+              <a:rPr lang="en-US"/>
               <a:t>Click to edit Master text styles</a:t>
             </a:r>
           </a:p>
           <a:p>
             <a:pPr lvl="1"/>
             <a:r>
-              <a:rPr lang="en-US" smtClean="0"/>
+              <a:rPr lang="en-US"/>
               <a:t>Second level</a:t>
             </a:r>
           </a:p>
           <a:p>
             <a:pPr lvl="2"/>
             <a:r>
-              <a:rPr lang="en-US" smtClean="0"/>
+              <a:rPr lang="en-US"/>
               <a:t>Third level</a:t>
             </a:r>
           </a:p>
           <a:p>
             <a:pPr lvl="3"/>
             <a:r>
-              <a:rPr lang="en-US" smtClean="0"/>
+              <a:rPr lang="en-US"/>
               <a:t>Fourth level</a:t>
             </a:r>
           </a:p>
           <a:p>
             <a:pPr lvl="4"/>
             <a:r>
-              <a:rPr lang="en-US" smtClean="0"/>
+              <a:rPr lang="en-US"/>
               <a:t>Fifth level</a:t>
             </a:r>
-            <a:endParaRPr lang="en-US"/>
           </a:p>
         </p:txBody>
       </p:sp>
@@ -2822,7 +2724,7 @@
             <a:fld id="{1D8BD707-D9CF-40AE-B4C6-C98DA3205C09}" type="datetimeFigureOut">
               <a:rPr lang="en-US" smtClean="0"/>
               <a:pPr/>
-              <a:t>8/1/2011</a:t>
+              <a:t>9/25/2023</a:t>
             </a:fld>
             <a:endParaRPr lang="en-US"/>
           </a:p>
@@ -3177,7 +3079,7 @@
 </file>
 
 <file path=ppt/slides/slide1.xml><?xml version="1.0" encoding="utf-8"?>
-<p:sld xmlns:p="http://schemas.openxmlformats.org/presentationml/2006/main" xmlns:a="http://schemas.openxmlformats.org/drawingml/2006/main" xmlns:r="http://schemas.openxmlformats.org/officeDocument/2006/relationships">
+<p:sld xmlns:a="http://schemas.openxmlformats.org/drawingml/2006/main" xmlns:r="http://schemas.openxmlformats.org/officeDocument/2006/relationships" xmlns:p="http://schemas.openxmlformats.org/presentationml/2006/main">
   <p:cSld>
     <p:spTree>
       <p:nvGrpSpPr>
@@ -3195,12 +3097,12 @@
       </p:grpSpPr>
       <p:sp>
         <p:nvSpPr>
-          <p:cNvPr name="Freeform 2" id="2"/>
+          <p:cNvPr id="2" name="Freeform 2"/>
           <p:cNvSpPr/>
           <p:nvPr/>
         </p:nvSpPr>
         <p:spPr>
-          <a:xfrm flipH="true" flipV="true" rot="0">
+          <a:xfrm flipH="1" flipV="1">
             <a:off x="0" y="0"/>
             <a:ext cx="18288000" cy="10287000"/>
           </a:xfrm>
@@ -3209,9 +3111,9 @@
             <a:gdLst/>
             <a:ahLst/>
             <a:cxnLst/>
-            <a:rect r="r" b="b" t="t" l="l"/>
+            <a:rect l="l" t="t" r="r" b="b"/>
             <a:pathLst>
-              <a:path h="10287000" w="18288000">
+              <a:path w="18288000" h="10287000">
                 <a:moveTo>
                   <a:pt x="18288000" y="10287000"/>
                 </a:moveTo>
@@ -3234,19 +3136,19 @@
           <a:blipFill>
             <a:blip r:embed="rId2"/>
             <a:stretch>
-              <a:fillRect l="0" t="-38888" r="0" b="-38888"/>
+              <a:fillRect t="-38888" b="-38888"/>
             </a:stretch>
           </a:blipFill>
         </p:spPr>
       </p:sp>
       <p:sp>
         <p:nvSpPr>
-          <p:cNvPr name="Freeform 3" id="3"/>
+          <p:cNvPr id="3" name="Freeform 3"/>
           <p:cNvSpPr/>
           <p:nvPr/>
         </p:nvSpPr>
         <p:spPr>
-          <a:xfrm flipH="false" flipV="false" rot="7659121">
+          <a:xfrm rot="7659121">
             <a:off x="15091031" y="5585714"/>
             <a:ext cx="7629294" cy="7828566"/>
           </a:xfrm>
@@ -3255,9 +3157,9 @@
             <a:gdLst/>
             <a:ahLst/>
             <a:cxnLst/>
-            <a:rect r="r" b="b" t="t" l="l"/>
+            <a:rect l="l" t="t" r="r" b="b"/>
             <a:pathLst>
-              <a:path h="7828566" w="7629294">
+              <a:path w="7629294" h="7828566">
                 <a:moveTo>
                   <a:pt x="0" y="0"/>
                 </a:moveTo>
@@ -3286,19 +3188,19 @@
               </a:extLst>
             </a:blip>
             <a:stretch>
-              <a:fillRect l="0" t="0" r="0" b="0"/>
+              <a:fillRect/>
             </a:stretch>
           </a:blipFill>
         </p:spPr>
       </p:sp>
       <p:sp>
         <p:nvSpPr>
-          <p:cNvPr name="Freeform 4" id="4"/>
+          <p:cNvPr id="4" name="Freeform 4"/>
           <p:cNvSpPr/>
           <p:nvPr/>
         </p:nvSpPr>
         <p:spPr>
-          <a:xfrm flipH="false" flipV="false" rot="0">
+          <a:xfrm>
             <a:off x="-3258071" y="-4629150"/>
             <a:ext cx="9022634" cy="9258300"/>
           </a:xfrm>
@@ -3307,9 +3209,9 @@
             <a:gdLst/>
             <a:ahLst/>
             <a:cxnLst/>
-            <a:rect r="r" b="b" t="t" l="l"/>
+            <a:rect l="l" t="t" r="r" b="b"/>
             <a:pathLst>
-              <a:path h="9258300" w="9022634">
+              <a:path w="9022634" h="9258300">
                 <a:moveTo>
                   <a:pt x="0" y="0"/>
                 </a:moveTo>
@@ -3338,19 +3240,19 @@
               </a:extLst>
             </a:blip>
             <a:stretch>
-              <a:fillRect l="0" t="0" r="0" b="0"/>
+              <a:fillRect/>
             </a:stretch>
           </a:blipFill>
         </p:spPr>
       </p:sp>
       <p:grpSp>
         <p:nvGrpSpPr>
-          <p:cNvPr name="Group 5" id="5"/>
+          <p:cNvPr id="5" name="Group 5"/>
           <p:cNvGrpSpPr/>
           <p:nvPr/>
         </p:nvGrpSpPr>
         <p:grpSpPr>
-          <a:xfrm rot="0">
+          <a:xfrm>
             <a:off x="4236347" y="3202251"/>
             <a:ext cx="9815307" cy="4208864"/>
             <a:chOff x="0" y="0"/>
@@ -3359,12 +3261,12 @@
         </p:grpSpPr>
         <p:sp>
           <p:nvSpPr>
-            <p:cNvPr name="Freeform 6" id="6"/>
+            <p:cNvPr id="6" name="Freeform 6"/>
             <p:cNvSpPr/>
             <p:nvPr/>
           </p:nvSpPr>
           <p:spPr>
-            <a:xfrm flipH="false" flipV="false" rot="0">
+            <a:xfrm>
               <a:off x="0" y="0"/>
               <a:ext cx="1895495" cy="812800"/>
             </a:xfrm>
@@ -3373,9 +3275,9 @@
               <a:gdLst/>
               <a:ahLst/>
               <a:cxnLst/>
-              <a:rect r="r" b="b" t="t" l="l"/>
+              <a:rect l="l" t="t" r="r" b="b"/>
               <a:pathLst>
-                <a:path h="812800" w="1895495">
+                <a:path w="1895495" h="812800">
                   <a:moveTo>
                     <a:pt x="0" y="0"/>
                   </a:moveTo>
@@ -3408,8 +3310,8 @@
         </p:sp>
         <p:sp>
           <p:nvSpPr>
-            <p:cNvPr name="TextBox 7" id="7"/>
-            <p:cNvSpPr txBox="true"/>
+            <p:cNvPr id="7" name="TextBox 7"/>
+            <p:cNvSpPr txBox="1"/>
             <p:nvPr/>
           </p:nvSpPr>
           <p:spPr>
@@ -3422,7 +3324,7 @@
             </a:prstGeom>
           </p:spPr>
           <p:txBody>
-            <a:bodyPr anchor="ctr" rtlCol="false" tIns="50800" lIns="50800" bIns="50800" rIns="50800"/>
+            <a:bodyPr lIns="50800" tIns="50800" rIns="50800" bIns="50800" rtlCol="0" anchor="ctr"/>
             <a:lstStyle/>
             <a:p>
               <a:pPr algn="ctr">
@@ -3430,27 +3332,28 @@
                   <a:spcPts val="2859"/>
                 </a:lnSpc>
               </a:pPr>
+              <a:endParaRPr/>
             </a:p>
           </p:txBody>
         </p:sp>
       </p:grpSp>
       <p:sp>
         <p:nvSpPr>
-          <p:cNvPr name="TextBox 8" id="8"/>
-          <p:cNvSpPr txBox="true"/>
+          <p:cNvPr id="8" name="TextBox 8"/>
+          <p:cNvSpPr txBox="1"/>
           <p:nvPr/>
         </p:nvSpPr>
         <p:spPr>
-          <a:xfrm rot="0">
+          <a:xfrm>
             <a:off x="4236347" y="4962525"/>
-            <a:ext cx="9815307" cy="1646540"/>
+            <a:ext cx="9815307" cy="1519262"/>
           </a:xfrm>
           <a:prstGeom prst="rect">
             <a:avLst/>
           </a:prstGeom>
         </p:spPr>
         <p:txBody>
-          <a:bodyPr anchor="t" rtlCol="false" tIns="0" lIns="0" bIns="0" rIns="0">
+          <a:bodyPr lIns="0" tIns="0" rIns="0" bIns="0" rtlCol="0" anchor="t">
             <a:spAutoFit/>
           </a:bodyPr>
           <a:lstStyle/>
@@ -3461,7 +3364,7 @@
               </a:lnSpc>
             </a:pPr>
             <a:r>
-              <a:rPr lang="en-US" sz="9639" spc="944">
+              <a:rPr lang="en-US" sz="8000" spc="944" dirty="0">
                 <a:solidFill>
                   <a:srgbClr val="231F20"/>
                 </a:solidFill>
@@ -3474,12 +3377,12 @@
       </p:sp>
       <p:sp>
         <p:nvSpPr>
-          <p:cNvPr name="TextBox 9" id="9"/>
-          <p:cNvSpPr txBox="true"/>
+          <p:cNvPr id="9" name="TextBox 9"/>
+          <p:cNvSpPr txBox="1"/>
           <p:nvPr/>
         </p:nvSpPr>
         <p:spPr>
-          <a:xfrm rot="0">
+          <a:xfrm>
             <a:off x="4236347" y="3438109"/>
             <a:ext cx="9815307" cy="1186902"/>
           </a:xfrm>
@@ -3488,7 +3391,7 @@
           </a:prstGeom>
         </p:spPr>
         <p:txBody>
-          <a:bodyPr anchor="t" rtlCol="false" tIns="0" lIns="0" bIns="0" rIns="0">
+          <a:bodyPr lIns="0" tIns="0" rIns="0" bIns="0" rtlCol="0" anchor="t">
             <a:spAutoFit/>
           </a:bodyPr>
           <a:lstStyle/>
@@ -3512,12 +3415,12 @@
       </p:sp>
       <p:sp>
         <p:nvSpPr>
-          <p:cNvPr name="TextBox 10" id="10"/>
-          <p:cNvSpPr txBox="true"/>
+          <p:cNvPr id="10" name="TextBox 10"/>
+          <p:cNvSpPr txBox="1"/>
           <p:nvPr/>
         </p:nvSpPr>
         <p:spPr>
-          <a:xfrm rot="0">
+          <a:xfrm>
             <a:off x="12572753" y="7664848"/>
             <a:ext cx="3656409" cy="1835149"/>
           </a:xfrm>
@@ -3526,7 +3429,7 @@
           </a:prstGeom>
         </p:spPr>
         <p:txBody>
-          <a:bodyPr anchor="t" rtlCol="false" tIns="0" lIns="0" bIns="0" rIns="0">
+          <a:bodyPr lIns="0" tIns="0" rIns="0" bIns="0" rtlCol="0" anchor="t">
             <a:spAutoFit/>
           </a:bodyPr>
           <a:lstStyle/>
@@ -3537,13 +3440,22 @@
               </a:lnSpc>
             </a:pPr>
             <a:r>
-              <a:rPr lang="en-US" sz="3500">
+              <a:rPr lang="en-US" sz="3500" dirty="0" err="1">
                 <a:solidFill>
                   <a:srgbClr val="231F20"/>
                 </a:solidFill>
                 <a:latin typeface="PT Serif Bold"/>
               </a:rPr>
-              <a:t>Виконала:</a:t>
+              <a:t>Виконала</a:t>
+            </a:r>
+            <a:r>
+              <a:rPr lang="en-US" sz="3500" dirty="0">
+                <a:solidFill>
+                  <a:srgbClr val="231F20"/>
+                </a:solidFill>
+                <a:latin typeface="PT Serif Bold"/>
+              </a:rPr>
+              <a:t>:</a:t>
             </a:r>
           </a:p>
           <a:p>
@@ -3553,13 +3465,40 @@
               </a:lnSpc>
             </a:pPr>
             <a:r>
-              <a:rPr lang="en-US" sz="3500">
+              <a:rPr lang="en-US" sz="3500" dirty="0" err="1">
                 <a:solidFill>
                   <a:srgbClr val="231F20"/>
                 </a:solidFill>
                 <a:latin typeface="PT Serif Bold"/>
               </a:rPr>
-              <a:t>ст. гр. ІП-20-2</a:t>
+              <a:t>ст</a:t>
+            </a:r>
+            <a:r>
+              <a:rPr lang="en-US" sz="3500" dirty="0">
+                <a:solidFill>
+                  <a:srgbClr val="231F20"/>
+                </a:solidFill>
+                <a:latin typeface="PT Serif Bold"/>
+              </a:rPr>
+              <a:t>. </a:t>
+            </a:r>
+            <a:r>
+              <a:rPr lang="en-US" sz="3500" dirty="0" err="1">
+                <a:solidFill>
+                  <a:srgbClr val="231F20"/>
+                </a:solidFill>
+                <a:latin typeface="PT Serif Bold"/>
+              </a:rPr>
+              <a:t>гр</a:t>
+            </a:r>
+            <a:r>
+              <a:rPr lang="en-US" sz="3500" dirty="0">
+                <a:solidFill>
+                  <a:srgbClr val="231F20"/>
+                </a:solidFill>
+                <a:latin typeface="PT Serif Bold"/>
+              </a:rPr>
+              <a:t>. ІП-20-2</a:t>
             </a:r>
           </a:p>
           <a:p>
@@ -3569,13 +3508,40 @@
               </a:lnSpc>
             </a:pPr>
             <a:r>
-              <a:rPr lang="en-US" sz="3500">
+              <a:rPr lang="en-US" sz="3500" dirty="0" err="1">
                 <a:solidFill>
                   <a:srgbClr val="231F20"/>
                 </a:solidFill>
                 <a:latin typeface="PT Serif Bold"/>
               </a:rPr>
-              <a:t>Бадан Анастасія</a:t>
+              <a:t>Ба</a:t>
+            </a:r>
+            <a:r>
+              <a:rPr lang="uk-UA" sz="3500" dirty="0">
+                <a:solidFill>
+                  <a:srgbClr val="231F20"/>
+                </a:solidFill>
+                <a:latin typeface="PT Serif Bold"/>
+              </a:rPr>
+              <a:t>л</a:t>
+            </a:r>
+            <a:r>
+              <a:rPr lang="en-US" sz="3500" dirty="0" err="1">
+                <a:solidFill>
+                  <a:srgbClr val="231F20"/>
+                </a:solidFill>
+                <a:latin typeface="PT Serif Bold"/>
+              </a:rPr>
+              <a:t>ан</a:t>
+            </a:r>
+            <a:r>
+              <a:rPr lang="en-US" sz="3500" dirty="0">
+                <a:solidFill>
+                  <a:srgbClr val="231F20"/>
+                </a:solidFill>
+                <a:latin typeface="PT Serif Bold"/>
+              </a:rPr>
+              <a:t> Анастасія</a:t>
             </a:r>
           </a:p>
         </p:txBody>
@@ -3589,7 +3555,7 @@
 </file>
 
 <file path=ppt/slides/slide10.xml><?xml version="1.0" encoding="utf-8"?>
-<p:sld xmlns:p="http://schemas.openxmlformats.org/presentationml/2006/main" xmlns:a="http://schemas.openxmlformats.org/drawingml/2006/main" xmlns:r="http://schemas.openxmlformats.org/officeDocument/2006/relationships">
+<p:sld xmlns:a="http://schemas.openxmlformats.org/drawingml/2006/main" xmlns:r="http://schemas.openxmlformats.org/officeDocument/2006/relationships" xmlns:p="http://schemas.openxmlformats.org/presentationml/2006/main">
   <p:cSld>
     <p:spTree>
       <p:nvGrpSpPr>
@@ -3607,12 +3573,12 @@
       </p:grpSpPr>
       <p:sp>
         <p:nvSpPr>
-          <p:cNvPr name="Freeform 2" id="2"/>
+          <p:cNvPr id="2" name="Freeform 2"/>
           <p:cNvSpPr/>
           <p:nvPr/>
         </p:nvSpPr>
         <p:spPr>
-          <a:xfrm flipH="true" flipV="true" rot="0">
+          <a:xfrm flipH="1" flipV="1">
             <a:off x="0" y="0"/>
             <a:ext cx="18288000" cy="10287000"/>
           </a:xfrm>
@@ -3621,9 +3587,9 @@
             <a:gdLst/>
             <a:ahLst/>
             <a:cxnLst/>
-            <a:rect r="r" b="b" t="t" l="l"/>
+            <a:rect l="l" t="t" r="r" b="b"/>
             <a:pathLst>
-              <a:path h="10287000" w="18288000">
+              <a:path w="18288000" h="10287000">
                 <a:moveTo>
                   <a:pt x="18288000" y="10287000"/>
                 </a:moveTo>
@@ -3646,19 +3612,19 @@
           <a:blipFill>
             <a:blip r:embed="rId2"/>
             <a:stretch>
-              <a:fillRect l="0" t="-38888" r="0" b="-38888"/>
+              <a:fillRect t="-38888" b="-38888"/>
             </a:stretch>
           </a:blipFill>
         </p:spPr>
       </p:sp>
       <p:sp>
         <p:nvSpPr>
-          <p:cNvPr name="Freeform 3" id="3"/>
+          <p:cNvPr id="3" name="Freeform 3"/>
           <p:cNvSpPr/>
           <p:nvPr/>
         </p:nvSpPr>
         <p:spPr>
-          <a:xfrm flipH="false" flipV="false" rot="887923">
+          <a:xfrm rot="887923">
             <a:off x="13475833" y="-8787301"/>
             <a:ext cx="13977230" cy="14342307"/>
           </a:xfrm>
@@ -3667,9 +3633,9 @@
             <a:gdLst/>
             <a:ahLst/>
             <a:cxnLst/>
-            <a:rect r="r" b="b" t="t" l="l"/>
+            <a:rect l="l" t="t" r="r" b="b"/>
             <a:pathLst>
-              <a:path h="14342307" w="13977230">
+              <a:path w="13977230" h="14342307">
                 <a:moveTo>
                   <a:pt x="0" y="0"/>
                 </a:moveTo>
@@ -3698,19 +3664,19 @@
               </a:extLst>
             </a:blip>
             <a:stretch>
-              <a:fillRect l="0" t="0" r="0" b="0"/>
+              <a:fillRect/>
             </a:stretch>
           </a:blipFill>
         </p:spPr>
       </p:sp>
       <p:grpSp>
         <p:nvGrpSpPr>
-          <p:cNvPr name="Group 4" id="4"/>
+          <p:cNvPr id="4" name="Group 4"/>
           <p:cNvGrpSpPr/>
           <p:nvPr/>
         </p:nvGrpSpPr>
         <p:grpSpPr>
-          <a:xfrm rot="0">
+          <a:xfrm>
             <a:off x="9070732" y="7742714"/>
             <a:ext cx="2932415" cy="847111"/>
             <a:chOff x="0" y="0"/>
@@ -3719,12 +3685,12 @@
         </p:grpSpPr>
         <p:sp>
           <p:nvSpPr>
-            <p:cNvPr name="Freeform 5" id="5"/>
+            <p:cNvPr id="5" name="Freeform 5"/>
             <p:cNvSpPr/>
             <p:nvPr/>
           </p:nvSpPr>
           <p:spPr>
-            <a:xfrm flipH="false" flipV="false" rot="0">
+            <a:xfrm>
               <a:off x="0" y="0"/>
               <a:ext cx="1075555" cy="310705"/>
             </a:xfrm>
@@ -3733,9 +3699,9 @@
               <a:gdLst/>
               <a:ahLst/>
               <a:cxnLst/>
-              <a:rect r="r" b="b" t="t" l="l"/>
+              <a:rect l="l" t="t" r="r" b="b"/>
               <a:pathLst>
-                <a:path h="310705" w="1075555">
+                <a:path w="1075555" h="310705">
                   <a:moveTo>
                     <a:pt x="81844" y="0"/>
                   </a:moveTo>
@@ -3799,8 +3765,8 @@
         </p:sp>
         <p:sp>
           <p:nvSpPr>
-            <p:cNvPr name="TextBox 6" id="6"/>
-            <p:cNvSpPr txBox="true"/>
+            <p:cNvPr id="6" name="TextBox 6"/>
+            <p:cNvSpPr txBox="1"/>
             <p:nvPr/>
           </p:nvSpPr>
           <p:spPr>
@@ -3813,7 +3779,7 @@
             </a:prstGeom>
           </p:spPr>
           <p:txBody>
-            <a:bodyPr anchor="ctr" rtlCol="false" tIns="50800" lIns="50800" bIns="50800" rIns="50800"/>
+            <a:bodyPr lIns="50800" tIns="50800" rIns="50800" bIns="50800" rtlCol="0" anchor="ctr"/>
             <a:lstStyle/>
             <a:p>
               <a:pPr algn="ctr">
@@ -3821,18 +3787,19 @@
                   <a:spcPts val="2859"/>
                 </a:lnSpc>
               </a:pPr>
+              <a:endParaRPr/>
             </a:p>
           </p:txBody>
         </p:sp>
       </p:grpSp>
       <p:sp>
         <p:nvSpPr>
-          <p:cNvPr name="Freeform 7" id="7"/>
+          <p:cNvPr id="7" name="Freeform 7"/>
           <p:cNvSpPr/>
           <p:nvPr/>
         </p:nvSpPr>
         <p:spPr>
-          <a:xfrm flipH="false" flipV="false" rot="887923">
+          <a:xfrm rot="887923">
             <a:off x="-5552903" y="4982621"/>
             <a:ext cx="13977230" cy="14342307"/>
           </a:xfrm>
@@ -3841,9 +3808,9 @@
             <a:gdLst/>
             <a:ahLst/>
             <a:cxnLst/>
-            <a:rect r="r" b="b" t="t" l="l"/>
+            <a:rect l="l" t="t" r="r" b="b"/>
             <a:pathLst>
-              <a:path h="14342307" w="13977230">
+              <a:path w="13977230" h="14342307">
                 <a:moveTo>
                   <a:pt x="0" y="0"/>
                 </a:moveTo>
@@ -3872,19 +3839,19 @@
               </a:extLst>
             </a:blip>
             <a:stretch>
-              <a:fillRect l="0" t="0" r="0" b="0"/>
+              <a:fillRect/>
             </a:stretch>
           </a:blipFill>
         </p:spPr>
       </p:sp>
       <p:sp>
         <p:nvSpPr>
-          <p:cNvPr name="Freeform 8" id="8"/>
+          <p:cNvPr id="8" name="Freeform 8"/>
           <p:cNvSpPr/>
           <p:nvPr/>
         </p:nvSpPr>
         <p:spPr>
-          <a:xfrm flipH="false" flipV="false" rot="0">
+          <a:xfrm>
             <a:off x="8899487" y="3642704"/>
             <a:ext cx="8477413" cy="4603706"/>
           </a:xfrm>
@@ -3893,9 +3860,9 @@
             <a:gdLst/>
             <a:ahLst/>
             <a:cxnLst/>
-            <a:rect r="r" b="b" t="t" l="l"/>
+            <a:rect l="l" t="t" r="r" b="b"/>
             <a:pathLst>
-              <a:path h="4603706" w="8477413">
+              <a:path w="8477413" h="4603706">
                 <a:moveTo>
                   <a:pt x="0" y="0"/>
                 </a:moveTo>
@@ -3918,19 +3885,19 @@
           <a:blipFill>
             <a:blip r:embed="rId5"/>
             <a:stretch>
-              <a:fillRect l="0" t="0" r="0" b="0"/>
+              <a:fillRect/>
             </a:stretch>
           </a:blipFill>
         </p:spPr>
       </p:sp>
       <p:sp>
         <p:nvSpPr>
-          <p:cNvPr name="TextBox 9" id="9"/>
-          <p:cNvSpPr txBox="true"/>
+          <p:cNvPr id="9" name="TextBox 9"/>
+          <p:cNvSpPr txBox="1"/>
           <p:nvPr/>
         </p:nvSpPr>
         <p:spPr>
-          <a:xfrm rot="0">
+          <a:xfrm>
             <a:off x="1538888" y="1195362"/>
             <a:ext cx="10999921" cy="1594138"/>
           </a:xfrm>
@@ -3939,12 +3906,12 @@
           </a:prstGeom>
         </p:spPr>
         <p:txBody>
-          <a:bodyPr anchor="t" rtlCol="false" tIns="0" lIns="0" bIns="0" rIns="0">
+          <a:bodyPr lIns="0" tIns="0" rIns="0" bIns="0" rtlCol="0" anchor="t">
             <a:spAutoFit/>
           </a:bodyPr>
           <a:lstStyle/>
           <a:p>
-            <a:pPr algn="ctr" marL="0" indent="0" lvl="0">
+            <a:pPr marL="0" lvl="0" indent="0" algn="ctr">
               <a:lnSpc>
                 <a:spcPts val="13015"/>
               </a:lnSpc>
@@ -3966,12 +3933,12 @@
       </p:sp>
       <p:sp>
         <p:nvSpPr>
-          <p:cNvPr name="TextBox 10" id="10"/>
-          <p:cNvSpPr txBox="true"/>
+          <p:cNvPr id="10" name="TextBox 10"/>
+          <p:cNvSpPr txBox="1"/>
           <p:nvPr/>
         </p:nvSpPr>
         <p:spPr>
-          <a:xfrm rot="0">
+          <a:xfrm>
             <a:off x="2349033" y="3604604"/>
             <a:ext cx="6179407" cy="1506568"/>
           </a:xfrm>
@@ -3980,7 +3947,7 @@
           </a:prstGeom>
         </p:spPr>
         <p:txBody>
-          <a:bodyPr anchor="t" rtlCol="false" tIns="0" lIns="0" bIns="0" rIns="0">
+          <a:bodyPr lIns="0" tIns="0" rIns="0" bIns="0" rtlCol="0" anchor="t">
             <a:spAutoFit/>
           </a:bodyPr>
           <a:lstStyle/>
@@ -4011,7 +3978,7 @@
 </file>
 
 <file path=ppt/slides/slide11.xml><?xml version="1.0" encoding="utf-8"?>
-<p:sld xmlns:p="http://schemas.openxmlformats.org/presentationml/2006/main" xmlns:a="http://schemas.openxmlformats.org/drawingml/2006/main" xmlns:r="http://schemas.openxmlformats.org/officeDocument/2006/relationships">
+<p:sld xmlns:a="http://schemas.openxmlformats.org/drawingml/2006/main" xmlns:r="http://schemas.openxmlformats.org/officeDocument/2006/relationships" xmlns:p="http://schemas.openxmlformats.org/presentationml/2006/main">
   <p:cSld>
     <p:spTree>
       <p:nvGrpSpPr>
@@ -4029,12 +3996,12 @@
       </p:grpSpPr>
       <p:sp>
         <p:nvSpPr>
-          <p:cNvPr name="Freeform 2" id="2"/>
+          <p:cNvPr id="2" name="Freeform 2"/>
           <p:cNvSpPr/>
           <p:nvPr/>
         </p:nvSpPr>
         <p:spPr>
-          <a:xfrm flipH="true" flipV="true" rot="0">
+          <a:xfrm flipH="1" flipV="1">
             <a:off x="0" y="0"/>
             <a:ext cx="18288000" cy="10287000"/>
           </a:xfrm>
@@ -4043,9 +4010,9 @@
             <a:gdLst/>
             <a:ahLst/>
             <a:cxnLst/>
-            <a:rect r="r" b="b" t="t" l="l"/>
+            <a:rect l="l" t="t" r="r" b="b"/>
             <a:pathLst>
-              <a:path h="10287000" w="18288000">
+              <a:path w="18288000" h="10287000">
                 <a:moveTo>
                   <a:pt x="18288000" y="10287000"/>
                 </a:moveTo>
@@ -4068,19 +4035,19 @@
           <a:blipFill>
             <a:blip r:embed="rId2"/>
             <a:stretch>
-              <a:fillRect l="0" t="-38888" r="0" b="-38888"/>
+              <a:fillRect t="-38888" b="-38888"/>
             </a:stretch>
           </a:blipFill>
         </p:spPr>
       </p:sp>
       <p:sp>
         <p:nvSpPr>
-          <p:cNvPr name="Freeform 3" id="3"/>
+          <p:cNvPr id="3" name="Freeform 3"/>
           <p:cNvSpPr/>
           <p:nvPr/>
         </p:nvSpPr>
         <p:spPr>
-          <a:xfrm flipH="false" flipV="false" rot="257863">
+          <a:xfrm rot="257863">
             <a:off x="-571305" y="6150994"/>
             <a:ext cx="21273218" cy="9128145"/>
           </a:xfrm>
@@ -4089,9 +4056,9 @@
             <a:gdLst/>
             <a:ahLst/>
             <a:cxnLst/>
-            <a:rect r="r" b="b" t="t" l="l"/>
+            <a:rect l="l" t="t" r="r" b="b"/>
             <a:pathLst>
-              <a:path h="9128145" w="21273218">
+              <a:path w="21273218" h="9128145">
                 <a:moveTo>
                   <a:pt x="0" y="0"/>
                 </a:moveTo>
@@ -4120,19 +4087,19 @@
               </a:extLst>
             </a:blip>
             <a:stretch>
-              <a:fillRect l="0" t="0" r="0" b="0"/>
+              <a:fillRect/>
             </a:stretch>
           </a:blipFill>
         </p:spPr>
       </p:sp>
       <p:sp>
         <p:nvSpPr>
-          <p:cNvPr name="Freeform 4" id="4"/>
+          <p:cNvPr id="4" name="Freeform 4"/>
           <p:cNvSpPr/>
           <p:nvPr/>
         </p:nvSpPr>
         <p:spPr>
-          <a:xfrm flipH="false" flipV="false" rot="0">
+          <a:xfrm>
             <a:off x="2274468" y="8765585"/>
             <a:ext cx="4128022" cy="437161"/>
           </a:xfrm>
@@ -4141,9 +4108,9 @@
             <a:gdLst/>
             <a:ahLst/>
             <a:cxnLst/>
-            <a:rect r="r" b="b" t="t" l="l"/>
+            <a:rect l="l" t="t" r="r" b="b"/>
             <a:pathLst>
-              <a:path h="437161" w="4128022">
+              <a:path w="4128022" h="437161">
                 <a:moveTo>
                   <a:pt x="0" y="0"/>
                 </a:moveTo>
@@ -4166,19 +4133,19 @@
           <a:blipFill>
             <a:blip r:embed="rId5"/>
             <a:stretch>
-              <a:fillRect l="0" t="-86495" r="0" b="0"/>
+              <a:fillRect t="-86495"/>
             </a:stretch>
           </a:blipFill>
         </p:spPr>
       </p:sp>
       <p:sp>
         <p:nvSpPr>
-          <p:cNvPr name="Freeform 5" id="5"/>
+          <p:cNvPr id="5" name="Freeform 5"/>
           <p:cNvSpPr/>
           <p:nvPr/>
         </p:nvSpPr>
         <p:spPr>
-          <a:xfrm flipH="false" flipV="false" rot="0">
+          <a:xfrm>
             <a:off x="8563658" y="4016965"/>
             <a:ext cx="1160684" cy="1393835"/>
           </a:xfrm>
@@ -4187,9 +4154,9 @@
             <a:gdLst/>
             <a:ahLst/>
             <a:cxnLst/>
-            <a:rect r="r" b="b" t="t" l="l"/>
+            <a:rect l="l" t="t" r="r" b="b"/>
             <a:pathLst>
-              <a:path h="1393835" w="1160684">
+              <a:path w="1160684" h="1393835">
                 <a:moveTo>
                   <a:pt x="0" y="0"/>
                 </a:moveTo>
@@ -4218,19 +4185,19 @@
               </a:extLst>
             </a:blip>
             <a:stretch>
-              <a:fillRect l="0" t="0" r="0" b="0"/>
+              <a:fillRect/>
             </a:stretch>
           </a:blipFill>
         </p:spPr>
       </p:sp>
       <p:sp>
         <p:nvSpPr>
-          <p:cNvPr name="Freeform 6" id="6"/>
+          <p:cNvPr id="6" name="Freeform 6"/>
           <p:cNvSpPr/>
           <p:nvPr/>
         </p:nvSpPr>
         <p:spPr>
-          <a:xfrm flipH="false" flipV="false" rot="0">
+          <a:xfrm>
             <a:off x="866468" y="3389316"/>
             <a:ext cx="6110279" cy="4042968"/>
           </a:xfrm>
@@ -4239,9 +4206,9 @@
             <a:gdLst/>
             <a:ahLst/>
             <a:cxnLst/>
-            <a:rect r="r" b="b" t="t" l="l"/>
+            <a:rect l="l" t="t" r="r" b="b"/>
             <a:pathLst>
-              <a:path h="4042968" w="6110279">
+              <a:path w="6110279" h="4042968">
                 <a:moveTo>
                   <a:pt x="0" y="0"/>
                 </a:moveTo>
@@ -4264,19 +4231,19 @@
           <a:blipFill>
             <a:blip r:embed="rId8"/>
             <a:stretch>
-              <a:fillRect l="0" t="0" r="0" b="0"/>
+              <a:fillRect/>
             </a:stretch>
           </a:blipFill>
         </p:spPr>
       </p:sp>
       <p:sp>
         <p:nvSpPr>
-          <p:cNvPr name="TextBox 7" id="7"/>
-          <p:cNvSpPr txBox="true"/>
+          <p:cNvPr id="7" name="TextBox 7"/>
+          <p:cNvSpPr txBox="1"/>
           <p:nvPr/>
         </p:nvSpPr>
         <p:spPr>
-          <a:xfrm rot="0">
+          <a:xfrm>
             <a:off x="2335030" y="372649"/>
             <a:ext cx="13617940" cy="2456330"/>
           </a:xfrm>
@@ -4285,12 +4252,12 @@
           </a:prstGeom>
         </p:spPr>
         <p:txBody>
-          <a:bodyPr anchor="t" rtlCol="false" tIns="0" lIns="0" bIns="0" rIns="0">
+          <a:bodyPr lIns="0" tIns="0" rIns="0" bIns="0" rtlCol="0" anchor="t">
             <a:spAutoFit/>
           </a:bodyPr>
           <a:lstStyle/>
           <a:p>
-            <a:pPr algn="ctr" marL="0" indent="0" lvl="0">
+            <a:pPr marL="0" lvl="0" indent="0" algn="ctr">
               <a:lnSpc>
                 <a:spcPts val="9842"/>
               </a:lnSpc>
@@ -4312,12 +4279,12 @@
       </p:sp>
       <p:sp>
         <p:nvSpPr>
-          <p:cNvPr name="TextBox 8" id="8"/>
-          <p:cNvSpPr txBox="true"/>
+          <p:cNvPr id="8" name="TextBox 8"/>
+          <p:cNvSpPr txBox="1"/>
           <p:nvPr/>
         </p:nvSpPr>
         <p:spPr>
-          <a:xfrm rot="0">
+          <a:xfrm>
             <a:off x="7569643" y="3697845"/>
             <a:ext cx="7681881" cy="2518270"/>
           </a:xfrm>
@@ -4326,7 +4293,7 @@
           </a:prstGeom>
         </p:spPr>
         <p:txBody>
-          <a:bodyPr anchor="t" rtlCol="false" tIns="0" lIns="0" bIns="0" rIns="0">
+          <a:bodyPr lIns="0" tIns="0" rIns="0" bIns="0" rtlCol="0" anchor="t">
             <a:spAutoFit/>
           </a:bodyPr>
           <a:lstStyle/>
@@ -4352,6 +4319,12 @@
                 <a:spcPts val="2929"/>
               </a:lnSpc>
             </a:pPr>
+            <a:endParaRPr lang="en-US" sz="2122" spc="208">
+              <a:solidFill>
+                <a:srgbClr val="000000"/>
+              </a:solidFill>
+              <a:latin typeface="DM Sans"/>
+            </a:endParaRPr>
           </a:p>
           <a:p>
             <a:pPr>
@@ -4366,16 +4339,7 @@
                 </a:solidFill>
                 <a:latin typeface="DM Sans"/>
               </a:rPr>
-              <a:t>Я</a:t>
-            </a:r>
-            <a:r>
-              <a:rPr lang="en-US" sz="2122" spc="208">
-                <a:solidFill>
-                  <a:srgbClr val="000000"/>
-                </a:solidFill>
-                <a:latin typeface="DM Sans"/>
-              </a:rPr>
-              <a:t>кщо духовки є доступними для більшості споживачів - тестування успішне</a:t>
+              <a:t>Якщо духовки є доступними для більшості споживачів - тестування успішне</a:t>
             </a:r>
           </a:p>
           <a:p>
@@ -4384,6 +4348,12 @@
                 <a:spcPts val="2377"/>
               </a:lnSpc>
             </a:pPr>
+            <a:endParaRPr lang="en-US" sz="2122" spc="208">
+              <a:solidFill>
+                <a:srgbClr val="000000"/>
+              </a:solidFill>
+              <a:latin typeface="DM Sans"/>
+            </a:endParaRPr>
           </a:p>
         </p:txBody>
       </p:sp>
@@ -4396,13 +4366,14 @@
 </file>
 
 <file path=ppt/slides/slide12.xml><?xml version="1.0" encoding="utf-8"?>
-<p:sld xmlns:p="http://schemas.openxmlformats.org/presentationml/2006/main" xmlns:a="http://schemas.openxmlformats.org/drawingml/2006/main" xmlns:r="http://schemas.openxmlformats.org/officeDocument/2006/relationships">
+<p:sld xmlns:a="http://schemas.openxmlformats.org/drawingml/2006/main" xmlns:r="http://schemas.openxmlformats.org/officeDocument/2006/relationships" xmlns:p="http://schemas.openxmlformats.org/presentationml/2006/main">
   <p:cSld>
     <p:bg>
       <p:bgPr>
         <a:solidFill>
           <a:srgbClr val="F2F4F5"/>
         </a:solidFill>
+        <a:effectLst/>
       </p:bgPr>
     </p:bg>
     <p:spTree>
@@ -4421,12 +4392,12 @@
       </p:grpSpPr>
       <p:sp>
         <p:nvSpPr>
-          <p:cNvPr name="Freeform 2" id="2"/>
+          <p:cNvPr id="2" name="Freeform 2"/>
           <p:cNvSpPr/>
           <p:nvPr/>
         </p:nvSpPr>
         <p:spPr>
-          <a:xfrm flipH="false" flipV="false" rot="887923">
+          <a:xfrm rot="887923">
             <a:off x="-6937517" y="-8747353"/>
             <a:ext cx="13977230" cy="14342307"/>
           </a:xfrm>
@@ -4435,9 +4406,9 @@
             <a:gdLst/>
             <a:ahLst/>
             <a:cxnLst/>
-            <a:rect r="r" b="b" t="t" l="l"/>
+            <a:rect l="l" t="t" r="r" b="b"/>
             <a:pathLst>
-              <a:path h="14342307" w="13977230">
+              <a:path w="13977230" h="14342307">
                 <a:moveTo>
                   <a:pt x="0" y="0"/>
                 </a:moveTo>
@@ -4466,19 +4437,19 @@
               </a:extLst>
             </a:blip>
             <a:stretch>
-              <a:fillRect l="0" t="0" r="0" b="0"/>
+              <a:fillRect/>
             </a:stretch>
           </a:blipFill>
         </p:spPr>
       </p:sp>
       <p:sp>
         <p:nvSpPr>
-          <p:cNvPr name="Freeform 3" id="3"/>
+          <p:cNvPr id="3" name="Freeform 3"/>
           <p:cNvSpPr/>
           <p:nvPr/>
         </p:nvSpPr>
         <p:spPr>
-          <a:xfrm flipH="false" flipV="false" rot="-10580377">
+          <a:xfrm rot="-10580377">
             <a:off x="11467478" y="4712559"/>
             <a:ext cx="12102934" cy="12419055"/>
           </a:xfrm>
@@ -4487,9 +4458,9 @@
             <a:gdLst/>
             <a:ahLst/>
             <a:cxnLst/>
-            <a:rect r="r" b="b" t="t" l="l"/>
+            <a:rect l="l" t="t" r="r" b="b"/>
             <a:pathLst>
-              <a:path h="12419055" w="12102934">
+              <a:path w="12102934" h="12419055">
                 <a:moveTo>
                   <a:pt x="0" y="0"/>
                 </a:moveTo>
@@ -4518,19 +4489,19 @@
               </a:extLst>
             </a:blip>
             <a:stretch>
-              <a:fillRect l="0" t="0" r="0" b="0"/>
+              <a:fillRect/>
             </a:stretch>
           </a:blipFill>
         </p:spPr>
       </p:sp>
       <p:sp>
         <p:nvSpPr>
-          <p:cNvPr name="Freeform 4" id="4"/>
+          <p:cNvPr id="4" name="Freeform 4"/>
           <p:cNvSpPr/>
           <p:nvPr/>
         </p:nvSpPr>
         <p:spPr>
-          <a:xfrm flipH="false" flipV="false" rot="0">
+          <a:xfrm>
             <a:off x="9476244" y="4030059"/>
             <a:ext cx="6671706" cy="3752835"/>
           </a:xfrm>
@@ -4539,9 +4510,9 @@
             <a:gdLst/>
             <a:ahLst/>
             <a:cxnLst/>
-            <a:rect r="r" b="b" t="t" l="l"/>
+            <a:rect l="l" t="t" r="r" b="b"/>
             <a:pathLst>
-              <a:path h="3752835" w="6671706">
+              <a:path w="6671706" h="3752835">
                 <a:moveTo>
                   <a:pt x="0" y="0"/>
                 </a:moveTo>
@@ -4564,19 +4535,19 @@
           <a:blipFill>
             <a:blip r:embed="rId4"/>
             <a:stretch>
-              <a:fillRect l="0" t="0" r="0" b="0"/>
+              <a:fillRect/>
             </a:stretch>
           </a:blipFill>
         </p:spPr>
       </p:sp>
       <p:sp>
         <p:nvSpPr>
-          <p:cNvPr name="TextBox 5" id="5"/>
-          <p:cNvSpPr txBox="true"/>
+          <p:cNvPr id="5" name="TextBox 5"/>
+          <p:cNvSpPr txBox="1"/>
           <p:nvPr/>
         </p:nvSpPr>
         <p:spPr>
-          <a:xfrm rot="0">
+          <a:xfrm>
             <a:off x="2335435" y="213702"/>
             <a:ext cx="13617940" cy="3241963"/>
           </a:xfrm>
@@ -4585,12 +4556,12 @@
           </a:prstGeom>
         </p:spPr>
         <p:txBody>
-          <a:bodyPr anchor="t" rtlCol="false" tIns="0" lIns="0" bIns="0" rIns="0">
+          <a:bodyPr lIns="0" tIns="0" rIns="0" bIns="0" rtlCol="0" anchor="t">
             <a:spAutoFit/>
           </a:bodyPr>
           <a:lstStyle/>
           <a:p>
-            <a:pPr algn="ctr" marL="0" indent="0" lvl="0">
+            <a:pPr marL="0" lvl="0" indent="0" algn="ctr">
               <a:lnSpc>
                 <a:spcPts val="13015"/>
               </a:lnSpc>
@@ -4612,12 +4583,12 @@
       </p:sp>
       <p:sp>
         <p:nvSpPr>
-          <p:cNvPr name="TextBox 6" id="6"/>
-          <p:cNvSpPr txBox="true"/>
+          <p:cNvPr id="6" name="TextBox 6"/>
+          <p:cNvSpPr txBox="1"/>
           <p:nvPr/>
         </p:nvSpPr>
         <p:spPr>
-          <a:xfrm rot="0">
+          <a:xfrm>
             <a:off x="775702" y="4157874"/>
             <a:ext cx="8025473" cy="3989704"/>
           </a:xfrm>
@@ -4626,7 +4597,7 @@
           </a:prstGeom>
         </p:spPr>
         <p:txBody>
-          <a:bodyPr anchor="t" rtlCol="false" tIns="0" lIns="0" bIns="0" rIns="0">
+          <a:bodyPr lIns="0" tIns="0" rIns="0" bIns="0" rtlCol="0" anchor="t">
             <a:spAutoFit/>
           </a:bodyPr>
           <a:lstStyle/>
@@ -4657,7 +4628,7 @@
 </file>
 
 <file path=ppt/slides/slide13.xml><?xml version="1.0" encoding="utf-8"?>
-<p:sld xmlns:p="http://schemas.openxmlformats.org/presentationml/2006/main" xmlns:a="http://schemas.openxmlformats.org/drawingml/2006/main" xmlns:r="http://schemas.openxmlformats.org/officeDocument/2006/relationships">
+<p:sld xmlns:a="http://schemas.openxmlformats.org/drawingml/2006/main" xmlns:r="http://schemas.openxmlformats.org/officeDocument/2006/relationships" xmlns:p="http://schemas.openxmlformats.org/presentationml/2006/main">
   <p:cSld>
     <p:spTree>
       <p:nvGrpSpPr>
@@ -4675,12 +4646,12 @@
       </p:grpSpPr>
       <p:sp>
         <p:nvSpPr>
-          <p:cNvPr name="Freeform 2" id="2"/>
+          <p:cNvPr id="2" name="Freeform 2"/>
           <p:cNvSpPr/>
           <p:nvPr/>
         </p:nvSpPr>
         <p:spPr>
-          <a:xfrm flipH="true" flipV="true" rot="0">
+          <a:xfrm flipH="1" flipV="1">
             <a:off x="0" y="0"/>
             <a:ext cx="18288000" cy="10287000"/>
           </a:xfrm>
@@ -4689,9 +4660,9 @@
             <a:gdLst/>
             <a:ahLst/>
             <a:cxnLst/>
-            <a:rect r="r" b="b" t="t" l="l"/>
+            <a:rect l="l" t="t" r="r" b="b"/>
             <a:pathLst>
-              <a:path h="10287000" w="18288000">
+              <a:path w="18288000" h="10287000">
                 <a:moveTo>
                   <a:pt x="18288000" y="10287000"/>
                 </a:moveTo>
@@ -4714,19 +4685,19 @@
           <a:blipFill>
             <a:blip r:embed="rId2"/>
             <a:stretch>
-              <a:fillRect l="0" t="-38888" r="0" b="-38888"/>
+              <a:fillRect t="-38888" b="-38888"/>
             </a:stretch>
           </a:blipFill>
         </p:spPr>
       </p:sp>
       <p:sp>
         <p:nvSpPr>
-          <p:cNvPr name="Freeform 3" id="3"/>
+          <p:cNvPr id="3" name="Freeform 3"/>
           <p:cNvSpPr/>
           <p:nvPr/>
         </p:nvSpPr>
         <p:spPr>
-          <a:xfrm flipH="false" flipV="false" rot="-10580377">
+          <a:xfrm rot="-10580377">
             <a:off x="9407140" y="-9309963"/>
             <a:ext cx="24036383" cy="24664199"/>
           </a:xfrm>
@@ -4735,9 +4706,9 @@
             <a:gdLst/>
             <a:ahLst/>
             <a:cxnLst/>
-            <a:rect r="r" b="b" t="t" l="l"/>
+            <a:rect l="l" t="t" r="r" b="b"/>
             <a:pathLst>
-              <a:path h="24664199" w="24036383">
+              <a:path w="24036383" h="24664199">
                 <a:moveTo>
                   <a:pt x="0" y="0"/>
                 </a:moveTo>
@@ -4766,19 +4737,19 @@
               </a:extLst>
             </a:blip>
             <a:stretch>
-              <a:fillRect l="0" t="0" r="0" b="0"/>
+              <a:fillRect/>
             </a:stretch>
           </a:blipFill>
         </p:spPr>
       </p:sp>
       <p:sp>
         <p:nvSpPr>
-          <p:cNvPr name="TextBox 4" id="4"/>
-          <p:cNvSpPr txBox="true"/>
+          <p:cNvPr id="4" name="TextBox 4"/>
+          <p:cNvSpPr txBox="1"/>
           <p:nvPr/>
         </p:nvSpPr>
         <p:spPr>
-          <a:xfrm rot="0">
+          <a:xfrm>
             <a:off x="1686644" y="2596928"/>
             <a:ext cx="6624595" cy="5275997"/>
           </a:xfrm>
@@ -4787,12 +4758,12 @@
           </a:prstGeom>
         </p:spPr>
         <p:txBody>
-          <a:bodyPr anchor="t" rtlCol="false" tIns="0" lIns="0" bIns="0" rIns="0">
+          <a:bodyPr lIns="0" tIns="0" rIns="0" bIns="0" rtlCol="0" anchor="t">
             <a:spAutoFit/>
           </a:bodyPr>
           <a:lstStyle/>
           <a:p>
-            <a:pPr marL="0" indent="0" lvl="0">
+            <a:pPr marL="0" lvl="0" indent="0">
               <a:lnSpc>
                 <a:spcPts val="3842"/>
               </a:lnSpc>
@@ -4814,12 +4785,12 @@
       </p:sp>
       <p:sp>
         <p:nvSpPr>
-          <p:cNvPr name="TextBox 5" id="5"/>
-          <p:cNvSpPr txBox="true"/>
+          <p:cNvPr id="5" name="TextBox 5"/>
+          <p:cNvSpPr txBox="1"/>
           <p:nvPr/>
         </p:nvSpPr>
         <p:spPr>
-          <a:xfrm rot="0">
+          <a:xfrm>
             <a:off x="1686644" y="534903"/>
             <a:ext cx="8097687" cy="1594138"/>
           </a:xfrm>
@@ -4828,12 +4799,12 @@
           </a:prstGeom>
         </p:spPr>
         <p:txBody>
-          <a:bodyPr anchor="t" rtlCol="false" tIns="0" lIns="0" bIns="0" rIns="0">
+          <a:bodyPr lIns="0" tIns="0" rIns="0" bIns="0" rtlCol="0" anchor="t">
             <a:spAutoFit/>
           </a:bodyPr>
           <a:lstStyle/>
           <a:p>
-            <a:pPr marL="0" indent="0" lvl="0">
+            <a:pPr marL="0" lvl="0" indent="0">
               <a:lnSpc>
                 <a:spcPts val="13015"/>
               </a:lnSpc>
@@ -4855,12 +4826,12 @@
       </p:sp>
       <p:sp>
         <p:nvSpPr>
-          <p:cNvPr name="Freeform 6" id="6"/>
+          <p:cNvPr id="6" name="Freeform 6"/>
           <p:cNvSpPr/>
           <p:nvPr/>
         </p:nvSpPr>
         <p:spPr>
-          <a:xfrm flipH="true" flipV="false" rot="0">
+          <a:xfrm flipH="1">
             <a:off x="-4254153" y="7476061"/>
             <a:ext cx="11881594" cy="3564478"/>
           </a:xfrm>
@@ -4869,9 +4840,9 @@
             <a:gdLst/>
             <a:ahLst/>
             <a:cxnLst/>
-            <a:rect r="r" b="b" t="t" l="l"/>
+            <a:rect l="l" t="t" r="r" b="b"/>
             <a:pathLst>
-              <a:path h="3564478" w="11881594">
+              <a:path w="11881594" h="3564478">
                 <a:moveTo>
                   <a:pt x="11881594" y="0"/>
                 </a:moveTo>
@@ -4900,7 +4871,7 @@
               </a:extLst>
             </a:blip>
             <a:stretch>
-              <a:fillRect l="0" t="0" r="0" b="0"/>
+              <a:fillRect/>
             </a:stretch>
           </a:blipFill>
         </p:spPr>
@@ -4914,7 +4885,7 @@
 </file>
 
 <file path=ppt/slides/slide2.xml><?xml version="1.0" encoding="utf-8"?>
-<p:sld xmlns:p="http://schemas.openxmlformats.org/presentationml/2006/main" xmlns:a="http://schemas.openxmlformats.org/drawingml/2006/main" xmlns:r="http://schemas.openxmlformats.org/officeDocument/2006/relationships">
+<p:sld xmlns:a="http://schemas.openxmlformats.org/drawingml/2006/main" xmlns:r="http://schemas.openxmlformats.org/officeDocument/2006/relationships" xmlns:p="http://schemas.openxmlformats.org/presentationml/2006/main">
   <p:cSld>
     <p:spTree>
       <p:nvGrpSpPr>
@@ -4932,12 +4903,12 @@
       </p:grpSpPr>
       <p:sp>
         <p:nvSpPr>
-          <p:cNvPr name="Freeform 2" id="2"/>
+          <p:cNvPr id="2" name="Freeform 2"/>
           <p:cNvSpPr/>
           <p:nvPr/>
         </p:nvSpPr>
         <p:spPr>
-          <a:xfrm flipH="true" flipV="true" rot="0">
+          <a:xfrm flipH="1" flipV="1">
             <a:off x="0" y="0"/>
             <a:ext cx="18288000" cy="10287000"/>
           </a:xfrm>
@@ -4946,9 +4917,9 @@
             <a:gdLst/>
             <a:ahLst/>
             <a:cxnLst/>
-            <a:rect r="r" b="b" t="t" l="l"/>
+            <a:rect l="l" t="t" r="r" b="b"/>
             <a:pathLst>
-              <a:path h="10287000" w="18288000">
+              <a:path w="18288000" h="10287000">
                 <a:moveTo>
                   <a:pt x="18288000" y="10287000"/>
                 </a:moveTo>
@@ -4971,19 +4942,19 @@
           <a:blipFill>
             <a:blip r:embed="rId2"/>
             <a:stretch>
-              <a:fillRect l="0" t="-38888" r="0" b="-38888"/>
+              <a:fillRect t="-38888" b="-38888"/>
             </a:stretch>
           </a:blipFill>
         </p:spPr>
       </p:sp>
       <p:grpSp>
         <p:nvGrpSpPr>
-          <p:cNvPr name="Group 3" id="3"/>
+          <p:cNvPr id="3" name="Group 3"/>
           <p:cNvGrpSpPr/>
           <p:nvPr/>
         </p:nvGrpSpPr>
         <p:grpSpPr>
-          <a:xfrm rot="0">
+          <a:xfrm>
             <a:off x="13662994" y="337474"/>
             <a:ext cx="4296549" cy="9570246"/>
             <a:chOff x="0" y="0"/>
@@ -4992,12 +4963,12 @@
         </p:grpSpPr>
         <p:sp>
           <p:nvSpPr>
-            <p:cNvPr name="Freeform 4" id="4"/>
+            <p:cNvPr id="4" name="Freeform 4"/>
             <p:cNvSpPr/>
             <p:nvPr/>
           </p:nvSpPr>
           <p:spPr>
-            <a:xfrm flipH="false" flipV="false" rot="0">
+            <a:xfrm>
               <a:off x="0" y="0"/>
               <a:ext cx="1131601" cy="2520559"/>
             </a:xfrm>
@@ -5006,9 +4977,9 @@
               <a:gdLst/>
               <a:ahLst/>
               <a:cxnLst/>
-              <a:rect r="r" b="b" t="t" l="l"/>
+              <a:rect l="l" t="t" r="r" b="b"/>
               <a:pathLst>
-                <a:path h="2520559" w="1131601">
+                <a:path w="1131601" h="2520559">
                   <a:moveTo>
                     <a:pt x="0" y="0"/>
                   </a:moveTo>
@@ -5032,8 +5003,8 @@
         </p:sp>
         <p:sp>
           <p:nvSpPr>
-            <p:cNvPr name="TextBox 5" id="5"/>
-            <p:cNvSpPr txBox="true"/>
+            <p:cNvPr id="5" name="TextBox 5"/>
+            <p:cNvSpPr txBox="1"/>
             <p:nvPr/>
           </p:nvSpPr>
           <p:spPr>
@@ -5046,7 +5017,7 @@
             </a:prstGeom>
           </p:spPr>
           <p:txBody>
-            <a:bodyPr anchor="ctr" rtlCol="false" tIns="50800" lIns="50800" bIns="50800" rIns="50800"/>
+            <a:bodyPr lIns="50800" tIns="50800" rIns="50800" bIns="50800" rtlCol="0" anchor="ctr"/>
             <a:lstStyle/>
             <a:p>
               <a:pPr algn="ctr">
@@ -5054,18 +5025,19 @@
                   <a:spcPts val="2859"/>
                 </a:lnSpc>
               </a:pPr>
+              <a:endParaRPr/>
             </a:p>
           </p:txBody>
         </p:sp>
       </p:grpSp>
       <p:sp>
         <p:nvSpPr>
-          <p:cNvPr name="Freeform 6" id="6"/>
+          <p:cNvPr id="6" name="Freeform 6"/>
           <p:cNvSpPr/>
           <p:nvPr/>
         </p:nvSpPr>
         <p:spPr>
-          <a:xfrm flipH="false" flipV="false" rot="0">
+          <a:xfrm>
             <a:off x="2142191" y="4828880"/>
             <a:ext cx="9752965" cy="1032847"/>
           </a:xfrm>
@@ -5074,9 +5046,9 @@
             <a:gdLst/>
             <a:ahLst/>
             <a:cxnLst/>
-            <a:rect r="r" b="b" t="t" l="l"/>
+            <a:rect l="l" t="t" r="r" b="b"/>
             <a:pathLst>
-              <a:path h="1032847" w="9752965">
+              <a:path w="9752965" h="1032847">
                 <a:moveTo>
                   <a:pt x="0" y="0"/>
                 </a:moveTo>
@@ -5099,19 +5071,19 @@
           <a:blipFill>
             <a:blip r:embed="rId3"/>
             <a:stretch>
-              <a:fillRect l="0" t="-86495" r="0" b="0"/>
+              <a:fillRect t="-86495"/>
             </a:stretch>
           </a:blipFill>
         </p:spPr>
       </p:sp>
       <p:grpSp>
         <p:nvGrpSpPr>
-          <p:cNvPr name="Group 7" id="7"/>
+          <p:cNvPr id="7" name="Group 7"/>
           <p:cNvGrpSpPr/>
           <p:nvPr/>
         </p:nvGrpSpPr>
         <p:grpSpPr>
-          <a:xfrm rot="0">
+          <a:xfrm>
             <a:off x="2142191" y="3396305"/>
             <a:ext cx="9610044" cy="1948998"/>
             <a:chOff x="0" y="0"/>
@@ -5120,12 +5092,12 @@
         </p:grpSpPr>
         <p:sp>
           <p:nvSpPr>
-            <p:cNvPr name="Freeform 8" id="8"/>
+            <p:cNvPr id="8" name="Freeform 8"/>
             <p:cNvSpPr/>
             <p:nvPr/>
           </p:nvSpPr>
           <p:spPr>
-            <a:xfrm flipH="false" flipV="false" rot="0">
+            <a:xfrm>
               <a:off x="0" y="0"/>
               <a:ext cx="3682024" cy="746746"/>
             </a:xfrm>
@@ -5134,9 +5106,9 @@
               <a:gdLst/>
               <a:ahLst/>
               <a:cxnLst/>
-              <a:rect r="r" b="b" t="t" l="l"/>
+              <a:rect l="l" t="t" r="r" b="b"/>
               <a:pathLst>
-                <a:path h="746746" w="3682024">
+                <a:path w="3682024" h="746746">
                   <a:moveTo>
                     <a:pt x="0" y="0"/>
                   </a:moveTo>
@@ -5160,8 +5132,8 @@
         </p:sp>
         <p:sp>
           <p:nvSpPr>
-            <p:cNvPr name="TextBox 9" id="9"/>
-            <p:cNvSpPr txBox="true"/>
+            <p:cNvPr id="9" name="TextBox 9"/>
+            <p:cNvSpPr txBox="1"/>
             <p:nvPr/>
           </p:nvSpPr>
           <p:spPr>
@@ -5174,7 +5146,7 @@
             </a:prstGeom>
           </p:spPr>
           <p:txBody>
-            <a:bodyPr anchor="ctr" rtlCol="false" tIns="50800" lIns="50800" bIns="50800" rIns="50800"/>
+            <a:bodyPr lIns="50800" tIns="50800" rIns="50800" bIns="50800" rtlCol="0" anchor="ctr"/>
             <a:lstStyle/>
             <a:p>
               <a:pPr algn="ctr">
@@ -5182,18 +5154,19 @@
                   <a:spcPts val="2859"/>
                 </a:lnSpc>
               </a:pPr>
+              <a:endParaRPr/>
             </a:p>
           </p:txBody>
         </p:sp>
       </p:grpSp>
       <p:sp>
         <p:nvSpPr>
-          <p:cNvPr name="Freeform 10" id="10"/>
+          <p:cNvPr id="10" name="Freeform 10"/>
           <p:cNvSpPr/>
           <p:nvPr/>
         </p:nvSpPr>
         <p:spPr>
-          <a:xfrm flipH="false" flipV="false" rot="0">
+          <a:xfrm>
             <a:off x="2474235" y="3673321"/>
             <a:ext cx="1156649" cy="1173721"/>
           </a:xfrm>
@@ -5202,9 +5175,9 @@
             <a:gdLst/>
             <a:ahLst/>
             <a:cxnLst/>
-            <a:rect r="r" b="b" t="t" l="l"/>
+            <a:rect l="l" t="t" r="r" b="b"/>
             <a:pathLst>
-              <a:path h="1173721" w="1156649">
+              <a:path w="1156649" h="1173721">
                 <a:moveTo>
                   <a:pt x="0" y="0"/>
                 </a:moveTo>
@@ -5233,19 +5206,19 @@
               </a:extLst>
             </a:blip>
             <a:stretch>
-              <a:fillRect l="0" t="0" r="0" b="0"/>
+              <a:fillRect/>
             </a:stretch>
           </a:blipFill>
         </p:spPr>
       </p:sp>
       <p:sp>
         <p:nvSpPr>
-          <p:cNvPr name="Freeform 11" id="11"/>
+          <p:cNvPr id="11" name="Freeform 11"/>
           <p:cNvSpPr/>
           <p:nvPr/>
         </p:nvSpPr>
         <p:spPr>
-          <a:xfrm flipH="false" flipV="false" rot="0">
+          <a:xfrm>
             <a:off x="-2779578" y="7341318"/>
             <a:ext cx="7616557" cy="7815497"/>
           </a:xfrm>
@@ -5254,9 +5227,9 @@
             <a:gdLst/>
             <a:ahLst/>
             <a:cxnLst/>
-            <a:rect r="r" b="b" t="t" l="l"/>
+            <a:rect l="l" t="t" r="r" b="b"/>
             <a:pathLst>
-              <a:path h="7815497" w="7616557">
+              <a:path w="7616557" h="7815497">
                 <a:moveTo>
                   <a:pt x="0" y="0"/>
                 </a:moveTo>
@@ -5285,19 +5258,19 @@
               </a:extLst>
             </a:blip>
             <a:stretch>
-              <a:fillRect l="0" t="0" r="0" b="0"/>
+              <a:fillRect/>
             </a:stretch>
           </a:blipFill>
         </p:spPr>
       </p:sp>
       <p:sp>
         <p:nvSpPr>
-          <p:cNvPr name="Freeform 12" id="12"/>
+          <p:cNvPr id="12" name="Freeform 12"/>
           <p:cNvSpPr/>
           <p:nvPr/>
         </p:nvSpPr>
         <p:spPr>
-          <a:xfrm flipH="false" flipV="false" rot="0">
+          <a:xfrm>
             <a:off x="11752235" y="3096965"/>
             <a:ext cx="5029317" cy="5029317"/>
           </a:xfrm>
@@ -5306,9 +5279,9 @@
             <a:gdLst/>
             <a:ahLst/>
             <a:cxnLst/>
-            <a:rect r="r" b="b" t="t" l="l"/>
+            <a:rect l="l" t="t" r="r" b="b"/>
             <a:pathLst>
-              <a:path h="5029317" w="5029317">
+              <a:path w="5029317" h="5029317">
                 <a:moveTo>
                   <a:pt x="0" y="0"/>
                 </a:moveTo>
@@ -5331,19 +5304,19 @@
           <a:blipFill>
             <a:blip r:embed="rId8"/>
             <a:stretch>
-              <a:fillRect l="0" t="0" r="0" b="0"/>
+              <a:fillRect/>
             </a:stretch>
           </a:blipFill>
         </p:spPr>
       </p:sp>
       <p:sp>
         <p:nvSpPr>
-          <p:cNvPr name="TextBox 13" id="13"/>
-          <p:cNvSpPr txBox="true"/>
+          <p:cNvPr id="13" name="TextBox 13"/>
+          <p:cNvSpPr txBox="1"/>
           <p:nvPr/>
         </p:nvSpPr>
         <p:spPr>
-          <a:xfrm rot="0">
+          <a:xfrm>
             <a:off x="2142191" y="888605"/>
             <a:ext cx="15590666" cy="1686342"/>
           </a:xfrm>
@@ -5352,7 +5325,7 @@
           </a:prstGeom>
         </p:spPr>
         <p:txBody>
-          <a:bodyPr anchor="t" rtlCol="false" tIns="0" lIns="0" bIns="0" rIns="0">
+          <a:bodyPr lIns="0" tIns="0" rIns="0" bIns="0" rtlCol="0" anchor="t">
             <a:spAutoFit/>
           </a:bodyPr>
           <a:lstStyle/>
@@ -5376,12 +5349,12 @@
       </p:sp>
       <p:sp>
         <p:nvSpPr>
-          <p:cNvPr name="TextBox 14" id="14"/>
-          <p:cNvSpPr txBox="true"/>
+          <p:cNvPr id="14" name="TextBox 14"/>
+          <p:cNvSpPr txBox="1"/>
           <p:nvPr/>
         </p:nvSpPr>
         <p:spPr>
-          <a:xfrm rot="0">
+          <a:xfrm>
             <a:off x="3943829" y="3769983"/>
             <a:ext cx="7132181" cy="1154018"/>
           </a:xfrm>
@@ -5390,12 +5363,12 @@
           </a:prstGeom>
         </p:spPr>
         <p:txBody>
-          <a:bodyPr anchor="t" rtlCol="false" tIns="0" lIns="0" bIns="0" rIns="0">
+          <a:bodyPr lIns="0" tIns="0" rIns="0" bIns="0" rtlCol="0" anchor="t">
             <a:spAutoFit/>
           </a:bodyPr>
           <a:lstStyle/>
           <a:p>
-            <a:pPr algn="l" marL="0" indent="0" lvl="0">
+            <a:pPr marL="0" lvl="0" indent="0" algn="l">
               <a:lnSpc>
                 <a:spcPts val="3050"/>
               </a:lnSpc>
@@ -5424,7 +5397,7 @@
 </file>
 
 <file path=ppt/slides/slide3.xml><?xml version="1.0" encoding="utf-8"?>
-<p:sld xmlns:p="http://schemas.openxmlformats.org/presentationml/2006/main" xmlns:a="http://schemas.openxmlformats.org/drawingml/2006/main" xmlns:r="http://schemas.openxmlformats.org/officeDocument/2006/relationships">
+<p:sld xmlns:a="http://schemas.openxmlformats.org/drawingml/2006/main" xmlns:r="http://schemas.openxmlformats.org/officeDocument/2006/relationships" xmlns:p="http://schemas.openxmlformats.org/presentationml/2006/main">
   <p:cSld>
     <p:spTree>
       <p:nvGrpSpPr>
@@ -5442,12 +5415,12 @@
       </p:grpSpPr>
       <p:sp>
         <p:nvSpPr>
-          <p:cNvPr name="Freeform 2" id="2"/>
+          <p:cNvPr id="2" name="Freeform 2"/>
           <p:cNvSpPr/>
           <p:nvPr/>
         </p:nvSpPr>
         <p:spPr>
-          <a:xfrm flipH="true" flipV="true" rot="0">
+          <a:xfrm flipH="1" flipV="1">
             <a:off x="0" y="0"/>
             <a:ext cx="18288000" cy="10287000"/>
           </a:xfrm>
@@ -5456,9 +5429,9 @@
             <a:gdLst/>
             <a:ahLst/>
             <a:cxnLst/>
-            <a:rect r="r" b="b" t="t" l="l"/>
+            <a:rect l="l" t="t" r="r" b="b"/>
             <a:pathLst>
-              <a:path h="10287000" w="18288000">
+              <a:path w="18288000" h="10287000">
                 <a:moveTo>
                   <a:pt x="18288000" y="10287000"/>
                 </a:moveTo>
@@ -5481,19 +5454,19 @@
           <a:blipFill>
             <a:blip r:embed="rId2"/>
             <a:stretch>
-              <a:fillRect l="0" t="-38888" r="0" b="-38888"/>
+              <a:fillRect t="-38888" b="-38888"/>
             </a:stretch>
           </a:blipFill>
         </p:spPr>
       </p:sp>
       <p:sp>
         <p:nvSpPr>
-          <p:cNvPr name="Freeform 3" id="3"/>
+          <p:cNvPr id="3" name="Freeform 3"/>
           <p:cNvSpPr/>
           <p:nvPr/>
         </p:nvSpPr>
         <p:spPr>
-          <a:xfrm flipH="false" flipV="false" rot="0">
+          <a:xfrm>
             <a:off x="5307472" y="6672678"/>
             <a:ext cx="7673056" cy="7673056"/>
           </a:xfrm>
@@ -5502,9 +5475,9 @@
             <a:gdLst/>
             <a:ahLst/>
             <a:cxnLst/>
-            <a:rect r="r" b="b" t="t" l="l"/>
+            <a:rect l="l" t="t" r="r" b="b"/>
             <a:pathLst>
-              <a:path h="7673056" w="7673056">
+              <a:path w="7673056" h="7673056">
                 <a:moveTo>
                   <a:pt x="0" y="0"/>
                 </a:moveTo>
@@ -5533,19 +5506,19 @@
               </a:extLst>
             </a:blip>
             <a:stretch>
-              <a:fillRect l="0" t="0" r="0" b="0"/>
+              <a:fillRect/>
             </a:stretch>
           </a:blipFill>
         </p:spPr>
       </p:sp>
       <p:sp>
         <p:nvSpPr>
-          <p:cNvPr name="Freeform 4" id="4"/>
+          <p:cNvPr id="4" name="Freeform 4"/>
           <p:cNvSpPr/>
           <p:nvPr/>
         </p:nvSpPr>
         <p:spPr>
-          <a:xfrm flipH="false" flipV="false" rot="0">
+          <a:xfrm>
             <a:off x="8663659" y="6071953"/>
             <a:ext cx="960682" cy="1052540"/>
           </a:xfrm>
@@ -5554,9 +5527,9 @@
             <a:gdLst/>
             <a:ahLst/>
             <a:cxnLst/>
-            <a:rect r="r" b="b" t="t" l="l"/>
+            <a:rect l="l" t="t" r="r" b="b"/>
             <a:pathLst>
-              <a:path h="1052540" w="960682">
+              <a:path w="960682" h="1052540">
                 <a:moveTo>
                   <a:pt x="0" y="0"/>
                 </a:moveTo>
@@ -5585,19 +5558,19 @@
               </a:extLst>
             </a:blip>
             <a:stretch>
-              <a:fillRect l="0" t="0" r="0" b="0"/>
+              <a:fillRect/>
             </a:stretch>
           </a:blipFill>
         </p:spPr>
       </p:sp>
       <p:sp>
         <p:nvSpPr>
-          <p:cNvPr name="Freeform 5" id="5"/>
+          <p:cNvPr id="5" name="Freeform 5"/>
           <p:cNvSpPr/>
           <p:nvPr/>
         </p:nvSpPr>
         <p:spPr>
-          <a:xfrm flipH="false" flipV="false" rot="0">
+          <a:xfrm>
             <a:off x="4994936" y="7891202"/>
             <a:ext cx="1268693" cy="1211025"/>
           </a:xfrm>
@@ -5606,9 +5579,9 @@
             <a:gdLst/>
             <a:ahLst/>
             <a:cxnLst/>
-            <a:rect r="r" b="b" t="t" l="l"/>
+            <a:rect l="l" t="t" r="r" b="b"/>
             <a:pathLst>
-              <a:path h="1211025" w="1268693">
+              <a:path w="1268693" h="1211025">
                 <a:moveTo>
                   <a:pt x="0" y="0"/>
                 </a:moveTo>
@@ -5637,19 +5610,19 @@
               </a:extLst>
             </a:blip>
             <a:stretch>
-              <a:fillRect l="0" t="0" r="0" b="0"/>
+              <a:fillRect/>
             </a:stretch>
           </a:blipFill>
         </p:spPr>
       </p:sp>
       <p:sp>
         <p:nvSpPr>
-          <p:cNvPr name="Freeform 6" id="6"/>
+          <p:cNvPr id="6" name="Freeform 6"/>
           <p:cNvSpPr/>
           <p:nvPr/>
         </p:nvSpPr>
         <p:spPr>
-          <a:xfrm flipH="false" flipV="false" rot="0">
+          <a:xfrm>
             <a:off x="12106315" y="7936159"/>
             <a:ext cx="1104804" cy="1121111"/>
           </a:xfrm>
@@ -5658,9 +5631,9 @@
             <a:gdLst/>
             <a:ahLst/>
             <a:cxnLst/>
-            <a:rect r="r" b="b" t="t" l="l"/>
+            <a:rect l="l" t="t" r="r" b="b"/>
             <a:pathLst>
-              <a:path h="1121111" w="1104804">
+              <a:path w="1104804" h="1121111">
                 <a:moveTo>
                   <a:pt x="0" y="0"/>
                 </a:moveTo>
@@ -5689,19 +5662,19 @@
               </a:extLst>
             </a:blip>
             <a:stretch>
-              <a:fillRect l="0" t="0" r="0" b="0"/>
+              <a:fillRect/>
             </a:stretch>
           </a:blipFill>
         </p:spPr>
       </p:sp>
       <p:sp>
         <p:nvSpPr>
-          <p:cNvPr name="Freeform 7" id="7"/>
+          <p:cNvPr id="7" name="Freeform 7"/>
           <p:cNvSpPr/>
           <p:nvPr/>
         </p:nvSpPr>
         <p:spPr>
-          <a:xfrm flipH="false" flipV="false" rot="0">
+          <a:xfrm>
             <a:off x="14479722" y="-4833750"/>
             <a:ext cx="7616557" cy="7815497"/>
           </a:xfrm>
@@ -5710,9 +5683,9 @@
             <a:gdLst/>
             <a:ahLst/>
             <a:cxnLst/>
-            <a:rect r="r" b="b" t="t" l="l"/>
+            <a:rect l="l" t="t" r="r" b="b"/>
             <a:pathLst>
-              <a:path h="7815497" w="7616557">
+              <a:path w="7616557" h="7815497">
                 <a:moveTo>
                   <a:pt x="0" y="0"/>
                 </a:moveTo>
@@ -5741,19 +5714,19 @@
               </a:extLst>
             </a:blip>
             <a:stretch>
-              <a:fillRect l="0" t="0" r="0" b="0"/>
+              <a:fillRect/>
             </a:stretch>
           </a:blipFill>
         </p:spPr>
       </p:sp>
       <p:sp>
         <p:nvSpPr>
-          <p:cNvPr name="Freeform 8" id="8"/>
+          <p:cNvPr id="8" name="Freeform 8"/>
           <p:cNvSpPr/>
           <p:nvPr/>
         </p:nvSpPr>
         <p:spPr>
-          <a:xfrm flipH="false" flipV="false" rot="-4176364">
+          <a:xfrm rot="-4176364">
             <a:off x="-4105129" y="6530238"/>
             <a:ext cx="7616557" cy="7815497"/>
           </a:xfrm>
@@ -5762,9 +5735,9 @@
             <a:gdLst/>
             <a:ahLst/>
             <a:cxnLst/>
-            <a:rect r="r" b="b" t="t" l="l"/>
+            <a:rect l="l" t="t" r="r" b="b"/>
             <a:pathLst>
-              <a:path h="7815497" w="7616557">
+              <a:path w="7616557" h="7815497">
                 <a:moveTo>
                   <a:pt x="0" y="0"/>
                 </a:moveTo>
@@ -5793,19 +5766,19 @@
               </a:extLst>
             </a:blip>
             <a:stretch>
-              <a:fillRect l="0" t="0" r="0" b="0"/>
+              <a:fillRect/>
             </a:stretch>
           </a:blipFill>
         </p:spPr>
       </p:sp>
       <p:sp>
         <p:nvSpPr>
-          <p:cNvPr name="Freeform 9" id="9"/>
+          <p:cNvPr id="9" name="Freeform 9"/>
           <p:cNvSpPr/>
           <p:nvPr/>
         </p:nvSpPr>
         <p:spPr>
-          <a:xfrm flipH="false" flipV="false" rot="0">
+          <a:xfrm>
             <a:off x="10087081" y="6071953"/>
             <a:ext cx="5143273" cy="3274550"/>
           </a:xfrm>
@@ -5814,9 +5787,9 @@
             <a:gdLst/>
             <a:ahLst/>
             <a:cxnLst/>
-            <a:rect r="r" b="b" t="t" l="l"/>
+            <a:rect l="l" t="t" r="r" b="b"/>
             <a:pathLst>
-              <a:path h="3274550" w="5143273">
+              <a:path w="5143273" h="3274550">
                 <a:moveTo>
                   <a:pt x="0" y="0"/>
                 </a:moveTo>
@@ -5839,19 +5812,19 @@
           <a:blipFill>
             <a:blip r:embed="rId13"/>
             <a:stretch>
-              <a:fillRect l="0" t="0" r="0" b="0"/>
+              <a:fillRect/>
             </a:stretch>
           </a:blipFill>
         </p:spPr>
       </p:sp>
       <p:sp>
         <p:nvSpPr>
-          <p:cNvPr name="Freeform 10" id="10"/>
+          <p:cNvPr id="10" name="Freeform 10"/>
           <p:cNvSpPr/>
           <p:nvPr/>
         </p:nvSpPr>
         <p:spPr>
-          <a:xfrm flipH="false" flipV="false" rot="0">
+          <a:xfrm>
             <a:off x="3396669" y="6071953"/>
             <a:ext cx="6227672" cy="3274550"/>
           </a:xfrm>
@@ -5860,9 +5833,9 @@
             <a:gdLst/>
             <a:ahLst/>
             <a:cxnLst/>
-            <a:rect r="r" b="b" t="t" l="l"/>
+            <a:rect l="l" t="t" r="r" b="b"/>
             <a:pathLst>
-              <a:path h="3274550" w="6227672">
+              <a:path w="6227672" h="3274550">
                 <a:moveTo>
                   <a:pt x="0" y="0"/>
                 </a:moveTo>
@@ -5885,19 +5858,19 @@
           <a:blipFill>
             <a:blip r:embed="rId14"/>
             <a:stretch>
-              <a:fillRect l="0" t="0" r="0" b="0"/>
+              <a:fillRect/>
             </a:stretch>
           </a:blipFill>
         </p:spPr>
       </p:sp>
       <p:sp>
         <p:nvSpPr>
-          <p:cNvPr name="TextBox 11" id="11"/>
-          <p:cNvSpPr txBox="true"/>
+          <p:cNvPr id="11" name="TextBox 11"/>
+          <p:cNvSpPr txBox="1"/>
           <p:nvPr/>
         </p:nvSpPr>
         <p:spPr>
-          <a:xfrm rot="0">
+          <a:xfrm>
             <a:off x="2887170" y="1277407"/>
             <a:ext cx="11552977" cy="1166783"/>
           </a:xfrm>
@@ -5906,20 +5879,27 @@
           </a:prstGeom>
         </p:spPr>
         <p:txBody>
-          <a:bodyPr anchor="t" rtlCol="false" tIns="0" lIns="0" bIns="0" rIns="0">
+          <a:bodyPr lIns="0" tIns="0" rIns="0" bIns="0" rtlCol="0" anchor="t">
             <a:spAutoFit/>
           </a:bodyPr>
           <a:lstStyle/>
           <a:p>
-            <a:pPr algn="ctr" marL="1499914" indent="-749957" lvl="1">
+            <a:pPr marL="749957" lvl="1" algn="ctr">
               <a:lnSpc>
                 <a:spcPts val="9587"/>
               </a:lnSpc>
-              <a:buFont typeface="Arial"/>
-              <a:buChar char="•"/>
             </a:pPr>
             <a:r>
-              <a:rPr lang="en-US" sz="6947" spc="368">
+              <a:rPr lang="uk-UA" sz="6947" spc="368" dirty="0">
+                <a:solidFill>
+                  <a:srgbClr val="231F20"/>
+                </a:solidFill>
+                <a:latin typeface="Oswald Bold"/>
+              </a:rPr>
+              <a:t>1. </a:t>
+            </a:r>
+            <a:r>
+              <a:rPr lang="en-US" sz="6947" spc="368" dirty="0">
                 <a:solidFill>
                   <a:srgbClr val="231F20"/>
                 </a:solidFill>
@@ -5932,12 +5912,12 @@
       </p:sp>
       <p:sp>
         <p:nvSpPr>
-          <p:cNvPr name="TextBox 12" id="12"/>
-          <p:cNvSpPr txBox="true"/>
+          <p:cNvPr id="12" name="TextBox 12"/>
+          <p:cNvSpPr txBox="1"/>
           <p:nvPr/>
         </p:nvSpPr>
         <p:spPr>
-          <a:xfrm rot="0">
+          <a:xfrm>
             <a:off x="6016556" y="2680528"/>
             <a:ext cx="6254887" cy="2385584"/>
           </a:xfrm>
@@ -5946,12 +5926,12 @@
           </a:prstGeom>
         </p:spPr>
         <p:txBody>
-          <a:bodyPr anchor="t" rtlCol="false" tIns="0" lIns="0" bIns="0" rIns="0">
+          <a:bodyPr lIns="0" tIns="0" rIns="0" bIns="0" rtlCol="0" anchor="t">
             <a:spAutoFit/>
           </a:bodyPr>
           <a:lstStyle/>
           <a:p>
-            <a:pPr algn="ctr" marL="0" indent="0" lvl="0">
+            <a:pPr marL="0" lvl="0" indent="0" algn="ctr">
               <a:lnSpc>
                 <a:spcPts val="3188"/>
               </a:lnSpc>
@@ -5960,14 +5940,389 @@
               </a:spcBef>
             </a:pPr>
             <a:r>
-              <a:rPr lang="en-US" sz="2310" spc="226">
+              <a:rPr lang="en-US" sz="2310" spc="226" dirty="0">
                 <a:solidFill>
                   <a:srgbClr val="231F20"/>
                 </a:solidFill>
                 <a:latin typeface="DM Sans"/>
               </a:rPr>
-              <a:t>З початку тестування потрібно преревірити чи поверхня духової печі є цілісна, без пошкоджень, подряпин і тріщин. Перевірка домашньої духової пречі на цьому етапі пройдена</a:t>
-            </a:r>
+              <a:t>З </a:t>
+            </a:r>
+            <a:r>
+              <a:rPr lang="en-US" sz="2310" spc="226" dirty="0" err="1">
+                <a:solidFill>
+                  <a:srgbClr val="231F20"/>
+                </a:solidFill>
+                <a:latin typeface="DM Sans"/>
+              </a:rPr>
+              <a:t>початку</a:t>
+            </a:r>
+            <a:r>
+              <a:rPr lang="en-US" sz="2310" spc="226" dirty="0">
+                <a:solidFill>
+                  <a:srgbClr val="231F20"/>
+                </a:solidFill>
+                <a:latin typeface="DM Sans"/>
+              </a:rPr>
+              <a:t> </a:t>
+            </a:r>
+            <a:r>
+              <a:rPr lang="en-US" sz="2310" spc="226" dirty="0" err="1">
+                <a:solidFill>
+                  <a:srgbClr val="231F20"/>
+                </a:solidFill>
+                <a:latin typeface="DM Sans"/>
+              </a:rPr>
+              <a:t>тестування</a:t>
+            </a:r>
+            <a:r>
+              <a:rPr lang="en-US" sz="2310" spc="226" dirty="0">
+                <a:solidFill>
+                  <a:srgbClr val="231F20"/>
+                </a:solidFill>
+                <a:latin typeface="DM Sans"/>
+              </a:rPr>
+              <a:t> </a:t>
+            </a:r>
+            <a:r>
+              <a:rPr lang="en-US" sz="2310" spc="226" dirty="0" err="1">
+                <a:solidFill>
+                  <a:srgbClr val="231F20"/>
+                </a:solidFill>
+                <a:latin typeface="DM Sans"/>
+              </a:rPr>
+              <a:t>потрібно</a:t>
+            </a:r>
+            <a:r>
+              <a:rPr lang="en-US" sz="2310" spc="226" dirty="0">
+                <a:solidFill>
+                  <a:srgbClr val="231F20"/>
+                </a:solidFill>
+                <a:latin typeface="DM Sans"/>
+              </a:rPr>
+              <a:t> </a:t>
+            </a:r>
+            <a:r>
+              <a:rPr lang="en-US" sz="2310" spc="226" dirty="0" err="1">
+                <a:solidFill>
+                  <a:srgbClr val="231F20"/>
+                </a:solidFill>
+                <a:latin typeface="DM Sans"/>
+              </a:rPr>
+              <a:t>преревірити</a:t>
+            </a:r>
+            <a:r>
+              <a:rPr lang="en-US" sz="2310" spc="226" dirty="0">
+                <a:solidFill>
+                  <a:srgbClr val="231F20"/>
+                </a:solidFill>
+                <a:latin typeface="DM Sans"/>
+              </a:rPr>
+              <a:t> </a:t>
+            </a:r>
+            <a:r>
+              <a:rPr lang="en-US" sz="2310" spc="226" dirty="0" err="1">
+                <a:solidFill>
+                  <a:srgbClr val="231F20"/>
+                </a:solidFill>
+                <a:latin typeface="DM Sans"/>
+              </a:rPr>
+              <a:t>чи</a:t>
+            </a:r>
+            <a:r>
+              <a:rPr lang="en-US" sz="2310" spc="226" dirty="0">
+                <a:solidFill>
+                  <a:srgbClr val="231F20"/>
+                </a:solidFill>
+                <a:latin typeface="DM Sans"/>
+              </a:rPr>
+              <a:t> </a:t>
+            </a:r>
+            <a:r>
+              <a:rPr lang="en-US" sz="2310" spc="226" dirty="0" err="1">
+                <a:solidFill>
+                  <a:srgbClr val="231F20"/>
+                </a:solidFill>
+                <a:latin typeface="DM Sans"/>
+              </a:rPr>
+              <a:t>поверхня</a:t>
+            </a:r>
+            <a:r>
+              <a:rPr lang="en-US" sz="2310" spc="226" dirty="0">
+                <a:solidFill>
+                  <a:srgbClr val="231F20"/>
+                </a:solidFill>
+                <a:latin typeface="DM Sans"/>
+              </a:rPr>
+              <a:t> </a:t>
+            </a:r>
+            <a:r>
+              <a:rPr lang="en-US" sz="2310" spc="226" dirty="0" err="1">
+                <a:solidFill>
+                  <a:srgbClr val="231F20"/>
+                </a:solidFill>
+                <a:latin typeface="DM Sans"/>
+              </a:rPr>
+              <a:t>духової</a:t>
+            </a:r>
+            <a:r>
+              <a:rPr lang="en-US" sz="2310" spc="226" dirty="0">
+                <a:solidFill>
+                  <a:srgbClr val="231F20"/>
+                </a:solidFill>
+                <a:latin typeface="DM Sans"/>
+              </a:rPr>
+              <a:t> </a:t>
+            </a:r>
+            <a:r>
+              <a:rPr lang="en-US" sz="2310" spc="226" dirty="0" err="1">
+                <a:solidFill>
+                  <a:srgbClr val="231F20"/>
+                </a:solidFill>
+                <a:latin typeface="DM Sans"/>
+              </a:rPr>
+              <a:t>печі</a:t>
+            </a:r>
+            <a:r>
+              <a:rPr lang="en-US" sz="2310" spc="226" dirty="0">
+                <a:solidFill>
+                  <a:srgbClr val="231F20"/>
+                </a:solidFill>
+                <a:latin typeface="DM Sans"/>
+              </a:rPr>
+              <a:t> є </a:t>
+            </a:r>
+            <a:r>
+              <a:rPr lang="en-US" sz="2310" spc="226" dirty="0" err="1">
+                <a:solidFill>
+                  <a:srgbClr val="231F20"/>
+                </a:solidFill>
+                <a:latin typeface="DM Sans"/>
+              </a:rPr>
+              <a:t>цілісна</a:t>
+            </a:r>
+            <a:r>
+              <a:rPr lang="en-US" sz="2310" spc="226" dirty="0">
+                <a:solidFill>
+                  <a:srgbClr val="231F20"/>
+                </a:solidFill>
+                <a:latin typeface="DM Sans"/>
+              </a:rPr>
+              <a:t>, </a:t>
+            </a:r>
+            <a:r>
+              <a:rPr lang="en-US" sz="2310" spc="226" dirty="0" err="1">
+                <a:solidFill>
+                  <a:srgbClr val="231F20"/>
+                </a:solidFill>
+                <a:latin typeface="DM Sans"/>
+              </a:rPr>
+              <a:t>без</a:t>
+            </a:r>
+            <a:r>
+              <a:rPr lang="en-US" sz="2310" spc="226" dirty="0">
+                <a:solidFill>
+                  <a:srgbClr val="231F20"/>
+                </a:solidFill>
+                <a:latin typeface="DM Sans"/>
+              </a:rPr>
+              <a:t> </a:t>
+            </a:r>
+            <a:r>
+              <a:rPr lang="en-US" sz="2310" spc="226" dirty="0" err="1">
+                <a:solidFill>
+                  <a:srgbClr val="231F20"/>
+                </a:solidFill>
+                <a:latin typeface="DM Sans"/>
+              </a:rPr>
+              <a:t>пошкоджень</a:t>
+            </a:r>
+            <a:r>
+              <a:rPr lang="en-US" sz="2310" spc="226" dirty="0">
+                <a:solidFill>
+                  <a:srgbClr val="231F20"/>
+                </a:solidFill>
+                <a:latin typeface="DM Sans"/>
+              </a:rPr>
+              <a:t>, </a:t>
+            </a:r>
+            <a:r>
+              <a:rPr lang="en-US" sz="2310" spc="226" dirty="0" err="1">
+                <a:solidFill>
+                  <a:srgbClr val="231F20"/>
+                </a:solidFill>
+                <a:latin typeface="DM Sans"/>
+              </a:rPr>
+              <a:t>подряпин</a:t>
+            </a:r>
+            <a:r>
+              <a:rPr lang="en-US" sz="2310" spc="226" dirty="0">
+                <a:solidFill>
+                  <a:srgbClr val="231F20"/>
+                </a:solidFill>
+                <a:latin typeface="DM Sans"/>
+              </a:rPr>
+              <a:t> і </a:t>
+            </a:r>
+            <a:r>
+              <a:rPr lang="en-US" sz="2310" spc="226" dirty="0" err="1">
+                <a:solidFill>
+                  <a:srgbClr val="231F20"/>
+                </a:solidFill>
+                <a:latin typeface="DM Sans"/>
+              </a:rPr>
+              <a:t>тріщин</a:t>
+            </a:r>
+            <a:r>
+              <a:rPr lang="en-US" sz="2310" spc="226" dirty="0">
+                <a:solidFill>
+                  <a:srgbClr val="231F20"/>
+                </a:solidFill>
+                <a:latin typeface="DM Sans"/>
+              </a:rPr>
+              <a:t>. </a:t>
+            </a:r>
+            <a:r>
+              <a:rPr lang="en-US" sz="2310" spc="226" dirty="0" err="1">
+                <a:solidFill>
+                  <a:srgbClr val="231F20"/>
+                </a:solidFill>
+                <a:latin typeface="DM Sans"/>
+              </a:rPr>
+              <a:t>Перевірка</a:t>
+            </a:r>
+            <a:r>
+              <a:rPr lang="en-US" sz="2310" spc="226" dirty="0">
+                <a:solidFill>
+                  <a:srgbClr val="231F20"/>
+                </a:solidFill>
+                <a:latin typeface="DM Sans"/>
+              </a:rPr>
+              <a:t> </a:t>
+            </a:r>
+            <a:r>
+              <a:rPr lang="en-US" sz="2310" spc="226" dirty="0" err="1">
+                <a:solidFill>
+                  <a:srgbClr val="231F20"/>
+                </a:solidFill>
+                <a:latin typeface="DM Sans"/>
+              </a:rPr>
+              <a:t>домашньої</a:t>
+            </a:r>
+            <a:r>
+              <a:rPr lang="en-US" sz="2310" spc="226" dirty="0">
+                <a:solidFill>
+                  <a:srgbClr val="231F20"/>
+                </a:solidFill>
+                <a:latin typeface="DM Sans"/>
+              </a:rPr>
+              <a:t> </a:t>
+            </a:r>
+            <a:r>
+              <a:rPr lang="en-US" sz="2310" spc="226" dirty="0" err="1">
+                <a:solidFill>
+                  <a:srgbClr val="231F20"/>
+                </a:solidFill>
+                <a:latin typeface="DM Sans"/>
+              </a:rPr>
+              <a:t>духової</a:t>
+            </a:r>
+            <a:r>
+              <a:rPr lang="en-US" sz="2310" spc="226" dirty="0">
+                <a:solidFill>
+                  <a:srgbClr val="231F20"/>
+                </a:solidFill>
+                <a:latin typeface="DM Sans"/>
+              </a:rPr>
+              <a:t> </a:t>
+            </a:r>
+            <a:r>
+              <a:rPr lang="en-US" sz="2310" spc="226" dirty="0" err="1">
+                <a:solidFill>
+                  <a:srgbClr val="231F20"/>
+                </a:solidFill>
+                <a:latin typeface="DM Sans"/>
+              </a:rPr>
+              <a:t>пречі</a:t>
+            </a:r>
+            <a:r>
+              <a:rPr lang="en-US" sz="2310" spc="226" dirty="0">
+                <a:solidFill>
+                  <a:srgbClr val="231F20"/>
+                </a:solidFill>
+                <a:latin typeface="DM Sans"/>
+              </a:rPr>
+              <a:t> </a:t>
+            </a:r>
+            <a:r>
+              <a:rPr lang="en-US" sz="2310" spc="226" dirty="0" err="1">
+                <a:solidFill>
+                  <a:srgbClr val="231F20"/>
+                </a:solidFill>
+                <a:latin typeface="DM Sans"/>
+              </a:rPr>
+              <a:t>на</a:t>
+            </a:r>
+            <a:r>
+              <a:rPr lang="en-US" sz="2310" spc="226" dirty="0">
+                <a:solidFill>
+                  <a:srgbClr val="231F20"/>
+                </a:solidFill>
+                <a:latin typeface="DM Sans"/>
+              </a:rPr>
+              <a:t> </a:t>
+            </a:r>
+            <a:r>
+              <a:rPr lang="en-US" sz="2310" spc="226" dirty="0" err="1">
+                <a:solidFill>
+                  <a:srgbClr val="231F20"/>
+                </a:solidFill>
+                <a:latin typeface="DM Sans"/>
+              </a:rPr>
+              <a:t>цьому</a:t>
+            </a:r>
+            <a:r>
+              <a:rPr lang="en-US" sz="2310" spc="226" dirty="0">
+                <a:solidFill>
+                  <a:srgbClr val="231F20"/>
+                </a:solidFill>
+                <a:latin typeface="DM Sans"/>
+              </a:rPr>
+              <a:t> </a:t>
+            </a:r>
+            <a:r>
+              <a:rPr lang="en-US" sz="2310" spc="226" dirty="0" err="1">
+                <a:solidFill>
+                  <a:srgbClr val="231F20"/>
+                </a:solidFill>
+                <a:latin typeface="DM Sans"/>
+              </a:rPr>
+              <a:t>етапі</a:t>
+            </a:r>
+            <a:r>
+              <a:rPr lang="en-US" sz="2310" spc="226" dirty="0">
+                <a:solidFill>
+                  <a:srgbClr val="231F20"/>
+                </a:solidFill>
+                <a:latin typeface="DM Sans"/>
+              </a:rPr>
+              <a:t> </a:t>
+            </a:r>
+            <a:r>
+              <a:rPr lang="en-US" sz="2310" spc="226" dirty="0" err="1">
+                <a:solidFill>
+                  <a:srgbClr val="231F20"/>
+                </a:solidFill>
+                <a:latin typeface="DM Sans"/>
+              </a:rPr>
+              <a:t>пройдена</a:t>
+            </a:r>
+            <a:endParaRPr lang="en-US" sz="2310" spc="226" dirty="0">
+              <a:solidFill>
+                <a:srgbClr val="231F20"/>
+              </a:solidFill>
+              <a:latin typeface="DM Sans"/>
+            </a:endParaRPr>
           </a:p>
         </p:txBody>
       </p:sp>
@@ -5980,7 +6335,7 @@
 </file>
 
 <file path=ppt/slides/slide4.xml><?xml version="1.0" encoding="utf-8"?>
-<p:sld xmlns:p="http://schemas.openxmlformats.org/presentationml/2006/main" xmlns:a="http://schemas.openxmlformats.org/drawingml/2006/main" xmlns:r="http://schemas.openxmlformats.org/officeDocument/2006/relationships">
+<p:sld xmlns:a="http://schemas.openxmlformats.org/drawingml/2006/main" xmlns:r="http://schemas.openxmlformats.org/officeDocument/2006/relationships" xmlns:p="http://schemas.openxmlformats.org/presentationml/2006/main">
   <p:cSld>
     <p:spTree>
       <p:nvGrpSpPr>
@@ -5998,12 +6353,12 @@
       </p:grpSpPr>
       <p:sp>
         <p:nvSpPr>
-          <p:cNvPr name="Freeform 2" id="2"/>
+          <p:cNvPr id="2" name="Freeform 2"/>
           <p:cNvSpPr/>
           <p:nvPr/>
         </p:nvSpPr>
         <p:spPr>
-          <a:xfrm flipH="true" flipV="true" rot="0">
+          <a:xfrm flipH="1" flipV="1">
             <a:off x="0" y="0"/>
             <a:ext cx="18288000" cy="10287000"/>
           </a:xfrm>
@@ -6012,9 +6367,9 @@
             <a:gdLst/>
             <a:ahLst/>
             <a:cxnLst/>
-            <a:rect r="r" b="b" t="t" l="l"/>
+            <a:rect l="l" t="t" r="r" b="b"/>
             <a:pathLst>
-              <a:path h="10287000" w="18288000">
+              <a:path w="18288000" h="10287000">
                 <a:moveTo>
                   <a:pt x="18288000" y="10287000"/>
                 </a:moveTo>
@@ -6037,19 +6392,19 @@
           <a:blipFill>
             <a:blip r:embed="rId2"/>
             <a:stretch>
-              <a:fillRect l="0" t="-38888" r="0" b="-38888"/>
+              <a:fillRect t="-38888" b="-38888"/>
             </a:stretch>
           </a:blipFill>
         </p:spPr>
       </p:sp>
       <p:grpSp>
         <p:nvGrpSpPr>
-          <p:cNvPr name="Group 3" id="3"/>
+          <p:cNvPr id="3" name="Group 3"/>
           <p:cNvGrpSpPr/>
           <p:nvPr/>
         </p:nvGrpSpPr>
         <p:grpSpPr>
-          <a:xfrm rot="0">
+          <a:xfrm>
             <a:off x="0" y="0"/>
             <a:ext cx="18288000" cy="3086100"/>
             <a:chOff x="0" y="0"/>
@@ -6058,12 +6413,12 @@
         </p:grpSpPr>
         <p:sp>
           <p:nvSpPr>
-            <p:cNvPr name="Freeform 4" id="4"/>
+            <p:cNvPr id="4" name="Freeform 4"/>
             <p:cNvSpPr/>
             <p:nvPr/>
           </p:nvSpPr>
           <p:spPr>
-            <a:xfrm flipH="false" flipV="false" rot="0">
+            <a:xfrm>
               <a:off x="0" y="0"/>
               <a:ext cx="4816592" cy="812800"/>
             </a:xfrm>
@@ -6072,9 +6427,9 @@
               <a:gdLst/>
               <a:ahLst/>
               <a:cxnLst/>
-              <a:rect r="r" b="b" t="t" l="l"/>
+              <a:rect l="l" t="t" r="r" b="b"/>
               <a:pathLst>
-                <a:path h="812800" w="4816592">
+                <a:path w="4816592" h="812800">
                   <a:moveTo>
                     <a:pt x="0" y="0"/>
                   </a:moveTo>
@@ -6098,8 +6453,8 @@
         </p:sp>
         <p:sp>
           <p:nvSpPr>
-            <p:cNvPr name="TextBox 5" id="5"/>
-            <p:cNvSpPr txBox="true"/>
+            <p:cNvPr id="5" name="TextBox 5"/>
+            <p:cNvSpPr txBox="1"/>
             <p:nvPr/>
           </p:nvSpPr>
           <p:spPr>
@@ -6112,7 +6467,7 @@
             </a:prstGeom>
           </p:spPr>
           <p:txBody>
-            <a:bodyPr anchor="ctr" rtlCol="false" tIns="50800" lIns="50800" bIns="50800" rIns="50800"/>
+            <a:bodyPr lIns="50800" tIns="50800" rIns="50800" bIns="50800" rtlCol="0" anchor="ctr"/>
             <a:lstStyle/>
             <a:p>
               <a:pPr algn="ctr">
@@ -6120,18 +6475,19 @@
                   <a:spcPts val="2859"/>
                 </a:lnSpc>
               </a:pPr>
+              <a:endParaRPr/>
             </a:p>
           </p:txBody>
         </p:sp>
       </p:grpSp>
       <p:sp>
         <p:nvSpPr>
-          <p:cNvPr name="Freeform 6" id="6"/>
+          <p:cNvPr id="6" name="Freeform 6"/>
           <p:cNvSpPr/>
           <p:nvPr/>
         </p:nvSpPr>
         <p:spPr>
-          <a:xfrm flipH="false" flipV="false" rot="0">
+          <a:xfrm>
             <a:off x="13451022" y="-4729397"/>
             <a:ext cx="7616557" cy="7815497"/>
           </a:xfrm>
@@ -6140,9 +6496,9 @@
             <a:gdLst/>
             <a:ahLst/>
             <a:cxnLst/>
-            <a:rect r="r" b="b" t="t" l="l"/>
+            <a:rect l="l" t="t" r="r" b="b"/>
             <a:pathLst>
-              <a:path h="7815497" w="7616557">
+              <a:path w="7616557" h="7815497">
                 <a:moveTo>
                   <a:pt x="0" y="0"/>
                 </a:moveTo>
@@ -6171,19 +6527,19 @@
               </a:extLst>
             </a:blip>
             <a:stretch>
-              <a:fillRect l="0" t="0" r="0" b="0"/>
+              <a:fillRect/>
             </a:stretch>
           </a:blipFill>
         </p:spPr>
       </p:sp>
       <p:sp>
         <p:nvSpPr>
-          <p:cNvPr name="Freeform 7" id="7"/>
+          <p:cNvPr id="7" name="Freeform 7"/>
           <p:cNvSpPr/>
           <p:nvPr/>
         </p:nvSpPr>
         <p:spPr>
-          <a:xfrm flipH="false" flipV="false" rot="0">
+          <a:xfrm>
             <a:off x="-2851369" y="-3442596"/>
             <a:ext cx="6709932" cy="6885191"/>
           </a:xfrm>
@@ -6192,9 +6548,9 @@
             <a:gdLst/>
             <a:ahLst/>
             <a:cxnLst/>
-            <a:rect r="r" b="b" t="t" l="l"/>
+            <a:rect l="l" t="t" r="r" b="b"/>
             <a:pathLst>
-              <a:path h="6885191" w="6709932">
+              <a:path w="6709932" h="6885191">
                 <a:moveTo>
                   <a:pt x="0" y="0"/>
                 </a:moveTo>
@@ -6223,19 +6579,19 @@
               </a:extLst>
             </a:blip>
             <a:stretch>
-              <a:fillRect l="0" t="0" r="0" b="0"/>
+              <a:fillRect/>
             </a:stretch>
           </a:blipFill>
         </p:spPr>
       </p:sp>
       <p:grpSp>
         <p:nvGrpSpPr>
-          <p:cNvPr name="Group 8" id="8"/>
+          <p:cNvPr id="8" name="Group 8"/>
           <p:cNvGrpSpPr/>
           <p:nvPr/>
         </p:nvGrpSpPr>
         <p:grpSpPr>
-          <a:xfrm rot="0">
+          <a:xfrm>
             <a:off x="6893475" y="3510391"/>
             <a:ext cx="9837832" cy="5372416"/>
             <a:chOff x="0" y="0"/>
@@ -6244,12 +6600,12 @@
         </p:grpSpPr>
         <p:sp>
           <p:nvSpPr>
-            <p:cNvPr name="Freeform 9" id="9"/>
+            <p:cNvPr id="9" name="Freeform 9"/>
             <p:cNvSpPr/>
             <p:nvPr/>
           </p:nvSpPr>
           <p:spPr>
-            <a:xfrm flipH="false" flipV="false" rot="0">
+            <a:xfrm>
               <a:off x="0" y="0"/>
               <a:ext cx="1899845" cy="1037501"/>
             </a:xfrm>
@@ -6258,9 +6614,9 @@
               <a:gdLst/>
               <a:ahLst/>
               <a:cxnLst/>
-              <a:rect r="r" b="b" t="t" l="l"/>
+              <a:rect l="l" t="t" r="r" b="b"/>
               <a:pathLst>
-                <a:path h="1037501" w="1899845">
+                <a:path w="1899845" h="1037501">
                   <a:moveTo>
                     <a:pt x="0" y="0"/>
                   </a:moveTo>
@@ -6293,8 +6649,8 @@
         </p:sp>
         <p:sp>
           <p:nvSpPr>
-            <p:cNvPr name="TextBox 10" id="10"/>
-            <p:cNvSpPr txBox="true"/>
+            <p:cNvPr id="10" name="TextBox 10"/>
+            <p:cNvSpPr txBox="1"/>
             <p:nvPr/>
           </p:nvSpPr>
           <p:spPr>
@@ -6307,7 +6663,7 @@
             </a:prstGeom>
           </p:spPr>
           <p:txBody>
-            <a:bodyPr anchor="ctr" rtlCol="false" tIns="50800" lIns="50800" bIns="50800" rIns="50800"/>
+            <a:bodyPr lIns="50800" tIns="50800" rIns="50800" bIns="50800" rtlCol="0" anchor="ctr"/>
             <a:lstStyle/>
             <a:p>
               <a:pPr algn="ctr">
@@ -6315,18 +6671,19 @@
                   <a:spcPts val="2859"/>
                 </a:lnSpc>
               </a:pPr>
+              <a:endParaRPr/>
             </a:p>
           </p:txBody>
         </p:sp>
       </p:grpSp>
       <p:sp>
         <p:nvSpPr>
-          <p:cNvPr name="Freeform 11" id="11"/>
+          <p:cNvPr id="11" name="Freeform 11"/>
           <p:cNvSpPr/>
           <p:nvPr/>
         </p:nvSpPr>
         <p:spPr>
-          <a:xfrm flipH="false" flipV="false" rot="0">
+          <a:xfrm>
             <a:off x="503597" y="3442596"/>
             <a:ext cx="6172200" cy="6172200"/>
           </a:xfrm>
@@ -6335,9 +6692,9 @@
             <a:gdLst/>
             <a:ahLst/>
             <a:cxnLst/>
-            <a:rect r="r" b="b" t="t" l="l"/>
+            <a:rect l="l" t="t" r="r" b="b"/>
             <a:pathLst>
-              <a:path h="6172200" w="6172200">
+              <a:path w="6172200" h="6172200">
                 <a:moveTo>
                   <a:pt x="0" y="0"/>
                 </a:moveTo>
@@ -6360,19 +6717,19 @@
           <a:blipFill>
             <a:blip r:embed="rId5"/>
             <a:stretch>
-              <a:fillRect l="0" t="0" r="0" b="0"/>
+              <a:fillRect/>
             </a:stretch>
           </a:blipFill>
         </p:spPr>
       </p:sp>
       <p:sp>
         <p:nvSpPr>
-          <p:cNvPr name="TextBox 12" id="12"/>
-          <p:cNvSpPr txBox="true"/>
+          <p:cNvPr id="12" name="TextBox 12"/>
+          <p:cNvSpPr txBox="1"/>
           <p:nvPr/>
         </p:nvSpPr>
         <p:spPr>
-          <a:xfrm rot="0">
+          <a:xfrm>
             <a:off x="3690980" y="273374"/>
             <a:ext cx="10906040" cy="2750122"/>
           </a:xfrm>
@@ -6381,7 +6738,7 @@
           </a:prstGeom>
         </p:spPr>
         <p:txBody>
-          <a:bodyPr anchor="t" rtlCol="false" tIns="0" lIns="0" bIns="0" rIns="0">
+          <a:bodyPr lIns="0" tIns="0" rIns="0" bIns="0" rtlCol="0" anchor="t">
             <a:spAutoFit/>
           </a:bodyPr>
           <a:lstStyle/>
@@ -6405,12 +6762,12 @@
       </p:sp>
       <p:sp>
         <p:nvSpPr>
-          <p:cNvPr name="TextBox 13" id="13"/>
-          <p:cNvSpPr txBox="true"/>
+          <p:cNvPr id="13" name="TextBox 13"/>
+          <p:cNvSpPr txBox="1"/>
           <p:nvPr/>
         </p:nvSpPr>
         <p:spPr>
-          <a:xfrm rot="0">
+          <a:xfrm>
             <a:off x="7224667" y="3767306"/>
             <a:ext cx="8900334" cy="4090963"/>
           </a:xfrm>
@@ -6419,12 +6776,12 @@
           </a:prstGeom>
         </p:spPr>
         <p:txBody>
-          <a:bodyPr anchor="t" rtlCol="false" tIns="0" lIns="0" bIns="0" rIns="0">
+          <a:bodyPr lIns="0" tIns="0" rIns="0" bIns="0" rtlCol="0" anchor="t">
             <a:spAutoFit/>
           </a:bodyPr>
           <a:lstStyle/>
           <a:p>
-            <a:pPr marL="427768" indent="-213884" lvl="1">
+            <a:pPr marL="427768" lvl="1" indent="-213884">
               <a:lnSpc>
                 <a:spcPts val="2734"/>
               </a:lnSpc>
@@ -6442,7 +6799,7 @@
             </a:r>
           </a:p>
           <a:p>
-            <a:pPr marL="427768" indent="-213884" lvl="1">
+            <a:pPr marL="427768" lvl="1" indent="-213884">
               <a:lnSpc>
                 <a:spcPts val="2734"/>
               </a:lnSpc>
@@ -6465,6 +6822,12 @@
                 <a:spcPts val="2734"/>
               </a:lnSpc>
             </a:pPr>
+            <a:endParaRPr lang="en-US" sz="1981" spc="194">
+              <a:solidFill>
+                <a:srgbClr val="231F20"/>
+              </a:solidFill>
+              <a:latin typeface="DM Sans"/>
+            </a:endParaRPr>
           </a:p>
         </p:txBody>
       </p:sp>
@@ -6477,13 +6840,14 @@
 </file>
 
 <file path=ppt/slides/slide5.xml><?xml version="1.0" encoding="utf-8"?>
-<p:sld xmlns:p="http://schemas.openxmlformats.org/presentationml/2006/main" xmlns:a="http://schemas.openxmlformats.org/drawingml/2006/main" xmlns:r="http://schemas.openxmlformats.org/officeDocument/2006/relationships">
+<p:sld xmlns:a="http://schemas.openxmlformats.org/drawingml/2006/main" xmlns:r="http://schemas.openxmlformats.org/officeDocument/2006/relationships" xmlns:p="http://schemas.openxmlformats.org/presentationml/2006/main">
   <p:cSld>
     <p:bg>
       <p:bgPr>
         <a:solidFill>
           <a:srgbClr val="1A1A1A"/>
         </a:solidFill>
+        <a:effectLst/>
       </p:bgPr>
     </p:bg>
     <p:spTree>
@@ -6502,12 +6866,12 @@
       </p:grpSpPr>
       <p:sp>
         <p:nvSpPr>
-          <p:cNvPr name="Freeform 2" id="2"/>
+          <p:cNvPr id="2" name="Freeform 2"/>
           <p:cNvSpPr/>
           <p:nvPr/>
         </p:nvSpPr>
         <p:spPr>
-          <a:xfrm flipH="false" flipV="false" rot="0">
+          <a:xfrm>
             <a:off x="-8169367" y="-10264537"/>
             <a:ext cx="15841853" cy="16255633"/>
           </a:xfrm>
@@ -6516,9 +6880,9 @@
             <a:gdLst/>
             <a:ahLst/>
             <a:cxnLst/>
-            <a:rect r="r" b="b" t="t" l="l"/>
+            <a:rect l="l" t="t" r="r" b="b"/>
             <a:pathLst>
-              <a:path h="16255633" w="15841853">
+              <a:path w="15841853" h="16255633">
                 <a:moveTo>
                   <a:pt x="0" y="0"/>
                 </a:moveTo>
@@ -6547,19 +6911,19 @@
               </a:extLst>
             </a:blip>
             <a:stretch>
-              <a:fillRect l="0" t="0" r="0" b="0"/>
+              <a:fillRect/>
             </a:stretch>
           </a:blipFill>
         </p:spPr>
       </p:sp>
       <p:sp>
         <p:nvSpPr>
-          <p:cNvPr name="TextBox 3" id="3"/>
-          <p:cNvSpPr txBox="true"/>
+          <p:cNvPr id="3" name="TextBox 3"/>
+          <p:cNvSpPr txBox="1"/>
           <p:nvPr/>
         </p:nvSpPr>
         <p:spPr>
-          <a:xfrm rot="0">
+          <a:xfrm>
             <a:off x="2720102" y="1935426"/>
             <a:ext cx="14539198" cy="1223585"/>
           </a:xfrm>
@@ -6568,7 +6932,7 @@
           </a:prstGeom>
         </p:spPr>
         <p:txBody>
-          <a:bodyPr anchor="t" rtlCol="false" tIns="0" lIns="0" bIns="0" rIns="0">
+          <a:bodyPr lIns="0" tIns="0" rIns="0" bIns="0" rtlCol="0" anchor="t">
             <a:spAutoFit/>
           </a:bodyPr>
           <a:lstStyle/>
@@ -6592,12 +6956,12 @@
       </p:sp>
       <p:sp>
         <p:nvSpPr>
-          <p:cNvPr name="Freeform 4" id="4"/>
+          <p:cNvPr id="4" name="Freeform 4"/>
           <p:cNvSpPr/>
           <p:nvPr/>
         </p:nvSpPr>
         <p:spPr>
-          <a:xfrm flipH="false" flipV="false" rot="0">
+          <a:xfrm>
             <a:off x="13534620" y="-3825733"/>
             <a:ext cx="15841853" cy="16255633"/>
           </a:xfrm>
@@ -6606,9 +6970,9 @@
             <a:gdLst/>
             <a:ahLst/>
             <a:cxnLst/>
-            <a:rect r="r" b="b" t="t" l="l"/>
+            <a:rect l="l" t="t" r="r" b="b"/>
             <a:pathLst>
-              <a:path h="16255633" w="15841853">
+              <a:path w="15841853" h="16255633">
                 <a:moveTo>
                   <a:pt x="0" y="0"/>
                 </a:moveTo>
@@ -6637,19 +7001,19 @@
               </a:extLst>
             </a:blip>
             <a:stretch>
-              <a:fillRect l="0" t="0" r="0" b="0"/>
+              <a:fillRect/>
             </a:stretch>
           </a:blipFill>
         </p:spPr>
       </p:sp>
       <p:sp>
         <p:nvSpPr>
-          <p:cNvPr name="Freeform 5" id="5"/>
+          <p:cNvPr id="5" name="Freeform 5"/>
           <p:cNvSpPr/>
           <p:nvPr/>
         </p:nvSpPr>
         <p:spPr>
-          <a:xfrm flipH="false" flipV="false" rot="0">
+          <a:xfrm>
             <a:off x="11510674" y="3755023"/>
             <a:ext cx="4922668" cy="4922668"/>
           </a:xfrm>
@@ -6658,9 +7022,9 @@
             <a:gdLst/>
             <a:ahLst/>
             <a:cxnLst/>
-            <a:rect r="r" b="b" t="t" l="l"/>
+            <a:rect l="l" t="t" r="r" b="b"/>
             <a:pathLst>
-              <a:path h="4922668" w="4922668">
+              <a:path w="4922668" h="4922668">
                 <a:moveTo>
                   <a:pt x="0" y="0"/>
                 </a:moveTo>
@@ -6683,19 +7047,19 @@
           <a:blipFill>
             <a:blip r:embed="rId4"/>
             <a:stretch>
-              <a:fillRect l="0" t="0" r="0" b="0"/>
+              <a:fillRect/>
             </a:stretch>
           </a:blipFill>
         </p:spPr>
       </p:sp>
       <p:sp>
         <p:nvSpPr>
-          <p:cNvPr name="TextBox 6" id="6"/>
-          <p:cNvSpPr txBox="true"/>
+          <p:cNvPr id="6" name="TextBox 6"/>
+          <p:cNvSpPr txBox="1"/>
           <p:nvPr/>
         </p:nvSpPr>
         <p:spPr>
-          <a:xfrm rot="0">
+          <a:xfrm>
             <a:off x="2196883" y="4370154"/>
             <a:ext cx="7792818" cy="4028554"/>
           </a:xfrm>
@@ -6704,7 +7068,7 @@
           </a:prstGeom>
         </p:spPr>
         <p:txBody>
-          <a:bodyPr anchor="t" rtlCol="false" tIns="0" lIns="0" bIns="0" rIns="0">
+          <a:bodyPr lIns="0" tIns="0" rIns="0" bIns="0" rtlCol="0" anchor="t">
             <a:spAutoFit/>
           </a:bodyPr>
           <a:lstStyle/>
@@ -6735,7 +7099,7 @@
 </file>
 
 <file path=ppt/slides/slide6.xml><?xml version="1.0" encoding="utf-8"?>
-<p:sld xmlns:p="http://schemas.openxmlformats.org/presentationml/2006/main" xmlns:a="http://schemas.openxmlformats.org/drawingml/2006/main" xmlns:r="http://schemas.openxmlformats.org/officeDocument/2006/relationships">
+<p:sld xmlns:a="http://schemas.openxmlformats.org/drawingml/2006/main" xmlns:r="http://schemas.openxmlformats.org/officeDocument/2006/relationships" xmlns:p="http://schemas.openxmlformats.org/presentationml/2006/main">
   <p:cSld>
     <p:spTree>
       <p:nvGrpSpPr>
@@ -6753,12 +7117,12 @@
       </p:grpSpPr>
       <p:sp>
         <p:nvSpPr>
-          <p:cNvPr name="Freeform 2" id="2"/>
+          <p:cNvPr id="2" name="Freeform 2"/>
           <p:cNvSpPr/>
           <p:nvPr/>
         </p:nvSpPr>
         <p:spPr>
-          <a:xfrm flipH="true" flipV="true" rot="0">
+          <a:xfrm flipH="1" flipV="1">
             <a:off x="0" y="0"/>
             <a:ext cx="18288000" cy="10287000"/>
           </a:xfrm>
@@ -6767,9 +7131,9 @@
             <a:gdLst/>
             <a:ahLst/>
             <a:cxnLst/>
-            <a:rect r="r" b="b" t="t" l="l"/>
+            <a:rect l="l" t="t" r="r" b="b"/>
             <a:pathLst>
-              <a:path h="10287000" w="18288000">
+              <a:path w="18288000" h="10287000">
                 <a:moveTo>
                   <a:pt x="18288000" y="10287000"/>
                 </a:moveTo>
@@ -6792,19 +7156,19 @@
           <a:blipFill>
             <a:blip r:embed="rId2"/>
             <a:stretch>
-              <a:fillRect l="0" t="-38888" r="0" b="-38888"/>
+              <a:fillRect t="-38888" b="-38888"/>
             </a:stretch>
           </a:blipFill>
         </p:spPr>
       </p:sp>
       <p:sp>
         <p:nvSpPr>
-          <p:cNvPr name="Freeform 3" id="3"/>
+          <p:cNvPr id="3" name="Freeform 3"/>
           <p:cNvSpPr/>
           <p:nvPr/>
         </p:nvSpPr>
         <p:spPr>
-          <a:xfrm flipH="false" flipV="false" rot="2035253">
+          <a:xfrm rot="2035253">
             <a:off x="15331117" y="4817487"/>
             <a:ext cx="7835077" cy="10939025"/>
           </a:xfrm>
@@ -6813,9 +7177,9 @@
             <a:gdLst/>
             <a:ahLst/>
             <a:cxnLst/>
-            <a:rect r="r" b="b" t="t" l="l"/>
+            <a:rect l="l" t="t" r="r" b="b"/>
             <a:pathLst>
-              <a:path h="10939025" w="7835077">
+              <a:path w="7835077" h="10939025">
                 <a:moveTo>
                   <a:pt x="0" y="0"/>
                 </a:moveTo>
@@ -6844,19 +7208,19 @@
               </a:extLst>
             </a:blip>
             <a:stretch>
-              <a:fillRect l="0" t="0" r="0" b="0"/>
+              <a:fillRect/>
             </a:stretch>
           </a:blipFill>
         </p:spPr>
       </p:sp>
       <p:sp>
         <p:nvSpPr>
-          <p:cNvPr name="Freeform 4" id="4"/>
+          <p:cNvPr id="4" name="Freeform 4"/>
           <p:cNvSpPr/>
           <p:nvPr/>
         </p:nvSpPr>
         <p:spPr>
-          <a:xfrm flipH="false" flipV="false" rot="0">
+          <a:xfrm>
             <a:off x="9773825" y="2271265"/>
             <a:ext cx="6343547" cy="6268426"/>
           </a:xfrm>
@@ -6865,9 +7229,9 @@
             <a:gdLst/>
             <a:ahLst/>
             <a:cxnLst/>
-            <a:rect r="r" b="b" t="t" l="l"/>
+            <a:rect l="l" t="t" r="r" b="b"/>
             <a:pathLst>
-              <a:path h="6268426" w="6343547">
+              <a:path w="6343547" h="6268426">
                 <a:moveTo>
                   <a:pt x="0" y="0"/>
                 </a:moveTo>
@@ -6890,19 +7254,19 @@
           <a:blipFill>
             <a:blip r:embed="rId5"/>
             <a:stretch>
-              <a:fillRect l="0" t="0" r="0" b="0"/>
+              <a:fillRect/>
             </a:stretch>
           </a:blipFill>
         </p:spPr>
       </p:sp>
       <p:sp>
         <p:nvSpPr>
-          <p:cNvPr name="TextBox 5" id="5"/>
-          <p:cNvSpPr txBox="true"/>
+          <p:cNvPr id="5" name="TextBox 5"/>
+          <p:cNvSpPr txBox="1"/>
           <p:nvPr/>
         </p:nvSpPr>
         <p:spPr>
-          <a:xfrm rot="0">
+          <a:xfrm>
             <a:off x="2370798" y="359757"/>
             <a:ext cx="14539198" cy="1223585"/>
           </a:xfrm>
@@ -6911,7 +7275,7 @@
           </a:prstGeom>
         </p:spPr>
         <p:txBody>
-          <a:bodyPr anchor="t" rtlCol="false" tIns="0" lIns="0" bIns="0" rIns="0">
+          <a:bodyPr lIns="0" tIns="0" rIns="0" bIns="0" rtlCol="0" anchor="t">
             <a:spAutoFit/>
           </a:bodyPr>
           <a:lstStyle/>
@@ -6935,12 +7299,12 @@
       </p:sp>
       <p:sp>
         <p:nvSpPr>
-          <p:cNvPr name="TextBox 6" id="6"/>
-          <p:cNvSpPr txBox="true"/>
+          <p:cNvPr id="6" name="TextBox 6"/>
+          <p:cNvSpPr txBox="1"/>
           <p:nvPr/>
         </p:nvSpPr>
         <p:spPr>
-          <a:xfrm rot="0">
+          <a:xfrm>
             <a:off x="1153155" y="3146172"/>
             <a:ext cx="7787132" cy="4669919"/>
           </a:xfrm>
@@ -6949,12 +7313,12 @@
           </a:prstGeom>
         </p:spPr>
         <p:txBody>
-          <a:bodyPr anchor="t" rtlCol="false" tIns="0" lIns="0" bIns="0" rIns="0">
+          <a:bodyPr lIns="0" tIns="0" rIns="0" bIns="0" rtlCol="0" anchor="t">
             <a:spAutoFit/>
           </a:bodyPr>
           <a:lstStyle/>
           <a:p>
-            <a:pPr marL="494517" indent="-247258" lvl="1">
+            <a:pPr marL="494517" lvl="1" indent="-247258">
               <a:lnSpc>
                 <a:spcPts val="3160"/>
               </a:lnSpc>
@@ -6968,20 +7332,11 @@
                 </a:solidFill>
                 <a:latin typeface="DM Sans"/>
               </a:rPr>
-              <a:t>Перевіримо, з якого матеріалу виготовлена духова шафа. Важливо, щоб цей матеріал був безпечним для готування їжі, тобто не міг вплинути на смак.</a:t>
-            </a:r>
-            <a:r>
-              <a:rPr lang="en-US" sz="2290" spc="224">
-                <a:solidFill>
-                  <a:srgbClr val="231F20"/>
-                </a:solidFill>
-                <a:latin typeface="DM Sans"/>
-              </a:rPr>
-              <a:t> </a:t>
-            </a:r>
-          </a:p>
-          <a:p>
-            <a:pPr marL="494517" indent="-247258" lvl="1">
+              <a:t>Перевіримо, з якого матеріалу виготовлена духова шафа. Важливо, щоб цей матеріал був безпечним для готування їжі, тобто не міг вплинути на смак. </a:t>
+            </a:r>
+          </a:p>
+          <a:p>
+            <a:pPr marL="494517" lvl="1" indent="-247258">
               <a:lnSpc>
                 <a:spcPts val="3160"/>
               </a:lnSpc>
@@ -6999,7 +7354,7 @@
             </a:r>
           </a:p>
           <a:p>
-            <a:pPr marL="494517" indent="-247258" lvl="1">
+            <a:pPr marL="494517" lvl="1" indent="-247258">
               <a:lnSpc>
                 <a:spcPts val="3160"/>
               </a:lnSpc>
@@ -7013,20 +7368,11 @@
                 </a:solidFill>
                 <a:latin typeface="DM Sans"/>
               </a:rPr>
-              <a:t>Слід перевірити чи є </a:t>
-            </a:r>
-            <a:r>
-              <a:rPr lang="en-US" sz="2290" spc="224">
-                <a:solidFill>
-                  <a:srgbClr val="231F20"/>
-                </a:solidFill>
-                <a:latin typeface="DM Sans"/>
-              </a:rPr>
-              <a:t>захист від перегріву та автоматичне відключення.</a:t>
-            </a:r>
-          </a:p>
-          <a:p>
-            <a:pPr marL="494517" indent="-247258" lvl="1">
+              <a:t>Слід перевірити чи є захист від перегріву та автоматичне відключення.</a:t>
+            </a:r>
+          </a:p>
+          <a:p>
+            <a:pPr marL="494517" lvl="1" indent="-247258">
               <a:lnSpc>
                 <a:spcPts val="3160"/>
               </a:lnSpc>
@@ -7054,13 +7400,14 @@
 </file>
 
 <file path=ppt/slides/slide7.xml><?xml version="1.0" encoding="utf-8"?>
-<p:sld xmlns:p="http://schemas.openxmlformats.org/presentationml/2006/main" xmlns:a="http://schemas.openxmlformats.org/drawingml/2006/main" xmlns:r="http://schemas.openxmlformats.org/officeDocument/2006/relationships">
+<p:sld xmlns:a="http://schemas.openxmlformats.org/drawingml/2006/main" xmlns:r="http://schemas.openxmlformats.org/officeDocument/2006/relationships" xmlns:p="http://schemas.openxmlformats.org/presentationml/2006/main">
   <p:cSld>
     <p:bg>
       <p:bgPr>
         <a:solidFill>
           <a:srgbClr val="F2F4F5"/>
         </a:solidFill>
+        <a:effectLst/>
       </p:bgPr>
     </p:bg>
     <p:spTree>
@@ -7079,12 +7426,12 @@
       </p:grpSpPr>
       <p:sp>
         <p:nvSpPr>
-          <p:cNvPr name="Freeform 2" id="2"/>
+          <p:cNvPr id="2" name="Freeform 2"/>
           <p:cNvSpPr/>
           <p:nvPr/>
         </p:nvSpPr>
         <p:spPr>
-          <a:xfrm flipH="false" flipV="false" rot="3407869">
+          <a:xfrm rot="3407869">
             <a:off x="12052165" y="1118883"/>
             <a:ext cx="12471670" cy="5351480"/>
           </a:xfrm>
@@ -7093,9 +7440,9 @@
             <a:gdLst/>
             <a:ahLst/>
             <a:cxnLst/>
-            <a:rect r="r" b="b" t="t" l="l"/>
+            <a:rect l="l" t="t" r="r" b="b"/>
             <a:pathLst>
-              <a:path h="5351480" w="12471670">
+              <a:path w="12471670" h="5351480">
                 <a:moveTo>
                   <a:pt x="0" y="0"/>
                 </a:moveTo>
@@ -7124,19 +7471,19 @@
               </a:extLst>
             </a:blip>
             <a:stretch>
-              <a:fillRect l="0" t="0" r="0" b="0"/>
+              <a:fillRect/>
             </a:stretch>
           </a:blipFill>
         </p:spPr>
       </p:sp>
       <p:sp>
         <p:nvSpPr>
-          <p:cNvPr name="Freeform 3" id="3"/>
+          <p:cNvPr id="3" name="Freeform 3"/>
           <p:cNvSpPr/>
           <p:nvPr/>
         </p:nvSpPr>
         <p:spPr>
-          <a:xfrm flipH="false" flipV="false" rot="0">
+          <a:xfrm>
             <a:off x="8203215" y="7962246"/>
             <a:ext cx="4876482" cy="516424"/>
           </a:xfrm>
@@ -7145,9 +7492,9 @@
             <a:gdLst/>
             <a:ahLst/>
             <a:cxnLst/>
-            <a:rect r="r" b="b" t="t" l="l"/>
+            <a:rect l="l" t="t" r="r" b="b"/>
             <a:pathLst>
-              <a:path h="516424" w="4876482">
+              <a:path w="4876482" h="516424">
                 <a:moveTo>
                   <a:pt x="0" y="0"/>
                 </a:moveTo>
@@ -7170,19 +7517,19 @@
           <a:blipFill>
             <a:blip r:embed="rId4"/>
             <a:stretch>
-              <a:fillRect l="0" t="-86495" r="0" b="0"/>
+              <a:fillRect t="-86495"/>
             </a:stretch>
           </a:blipFill>
         </p:spPr>
       </p:sp>
       <p:sp>
         <p:nvSpPr>
-          <p:cNvPr name="Freeform 4" id="4"/>
+          <p:cNvPr id="4" name="Freeform 4"/>
           <p:cNvSpPr/>
           <p:nvPr/>
         </p:nvSpPr>
         <p:spPr>
-          <a:xfrm flipH="false" flipV="false" rot="3407869">
+          <a:xfrm rot="3407869">
             <a:off x="-4696947" y="10150458"/>
             <a:ext cx="12471670" cy="5351480"/>
           </a:xfrm>
@@ -7191,9 +7538,9 @@
             <a:gdLst/>
             <a:ahLst/>
             <a:cxnLst/>
-            <a:rect r="r" b="b" t="t" l="l"/>
+            <a:rect l="l" t="t" r="r" b="b"/>
             <a:pathLst>
-              <a:path h="5351480" w="12471670">
+              <a:path w="12471670" h="5351480">
                 <a:moveTo>
                   <a:pt x="0" y="0"/>
                 </a:moveTo>
@@ -7222,19 +7569,19 @@
               </a:extLst>
             </a:blip>
             <a:stretch>
-              <a:fillRect l="0" t="0" r="0" b="0"/>
+              <a:fillRect/>
             </a:stretch>
           </a:blipFill>
         </p:spPr>
       </p:sp>
       <p:sp>
         <p:nvSpPr>
-          <p:cNvPr name="Freeform 5" id="5"/>
+          <p:cNvPr id="5" name="Freeform 5"/>
           <p:cNvSpPr/>
           <p:nvPr/>
         </p:nvSpPr>
         <p:spPr>
-          <a:xfrm flipH="false" flipV="false" rot="0">
+          <a:xfrm>
             <a:off x="9144000" y="2151303"/>
             <a:ext cx="7710963" cy="7710963"/>
           </a:xfrm>
@@ -7243,9 +7590,9 @@
             <a:gdLst/>
             <a:ahLst/>
             <a:cxnLst/>
-            <a:rect r="r" b="b" t="t" l="l"/>
+            <a:rect l="l" t="t" r="r" b="b"/>
             <a:pathLst>
-              <a:path h="7710963" w="7710963">
+              <a:path w="7710963" h="7710963">
                 <a:moveTo>
                   <a:pt x="0" y="0"/>
                 </a:moveTo>
@@ -7268,19 +7615,19 @@
           <a:blipFill>
             <a:blip r:embed="rId5"/>
             <a:stretch>
-              <a:fillRect l="0" t="0" r="0" b="0"/>
+              <a:fillRect/>
             </a:stretch>
           </a:blipFill>
         </p:spPr>
       </p:sp>
       <p:sp>
         <p:nvSpPr>
-          <p:cNvPr name="TextBox 6" id="6"/>
-          <p:cNvSpPr txBox="true"/>
+          <p:cNvPr id="6" name="TextBox 6"/>
+          <p:cNvSpPr txBox="1"/>
           <p:nvPr/>
         </p:nvSpPr>
         <p:spPr>
-          <a:xfrm rot="0">
+          <a:xfrm>
             <a:off x="2191002" y="1162050"/>
             <a:ext cx="13144883" cy="1303627"/>
           </a:xfrm>
@@ -7289,12 +7636,12 @@
           </a:prstGeom>
         </p:spPr>
         <p:txBody>
-          <a:bodyPr anchor="t" rtlCol="false" tIns="0" lIns="0" bIns="0" rIns="0">
+          <a:bodyPr lIns="0" tIns="0" rIns="0" bIns="0" rtlCol="0" anchor="t">
             <a:spAutoFit/>
           </a:bodyPr>
           <a:lstStyle/>
           <a:p>
-            <a:pPr marL="0" indent="0" lvl="0">
+            <a:pPr marL="0" lvl="0" indent="0">
               <a:lnSpc>
                 <a:spcPts val="9903"/>
               </a:lnSpc>
@@ -7313,12 +7660,12 @@
       </p:sp>
       <p:sp>
         <p:nvSpPr>
-          <p:cNvPr name="TextBox 7" id="7"/>
-          <p:cNvSpPr txBox="true"/>
+          <p:cNvPr id="7" name="TextBox 7"/>
+          <p:cNvSpPr txBox="1"/>
           <p:nvPr/>
         </p:nvSpPr>
         <p:spPr>
-          <a:xfrm rot="0">
+          <a:xfrm>
             <a:off x="2008951" y="3756523"/>
             <a:ext cx="6162866" cy="3889222"/>
           </a:xfrm>
@@ -7327,12 +7674,12 @@
           </a:prstGeom>
         </p:spPr>
         <p:txBody>
-          <a:bodyPr anchor="t" rtlCol="false" tIns="0" lIns="0" bIns="0" rIns="0">
+          <a:bodyPr lIns="0" tIns="0" rIns="0" bIns="0" rtlCol="0" anchor="t">
             <a:spAutoFit/>
           </a:bodyPr>
           <a:lstStyle/>
           <a:p>
-            <a:pPr marL="494517" indent="-247258" lvl="1">
+            <a:pPr marL="494517" lvl="1" indent="-247258">
               <a:lnSpc>
                 <a:spcPts val="3160"/>
               </a:lnSpc>
@@ -7350,7 +7697,7 @@
             </a:r>
           </a:p>
           <a:p>
-            <a:pPr marL="494517" indent="-247258" lvl="1">
+            <a:pPr marL="494517" lvl="1" indent="-247258">
               <a:lnSpc>
                 <a:spcPts val="3160"/>
               </a:lnSpc>
@@ -7378,13 +7725,14 @@
 </file>
 
 <file path=ppt/slides/slide8.xml><?xml version="1.0" encoding="utf-8"?>
-<p:sld xmlns:p="http://schemas.openxmlformats.org/presentationml/2006/main" xmlns:a="http://schemas.openxmlformats.org/drawingml/2006/main" xmlns:r="http://schemas.openxmlformats.org/officeDocument/2006/relationships">
+<p:sld xmlns:a="http://schemas.openxmlformats.org/drawingml/2006/main" xmlns:r="http://schemas.openxmlformats.org/officeDocument/2006/relationships" xmlns:p="http://schemas.openxmlformats.org/presentationml/2006/main">
   <p:cSld>
     <p:bg>
       <p:bgPr>
         <a:solidFill>
           <a:srgbClr val="1A1A1A"/>
         </a:solidFill>
+        <a:effectLst/>
       </p:bgPr>
     </p:bg>
     <p:spTree>
@@ -7403,12 +7751,12 @@
       </p:grpSpPr>
       <p:grpSp>
         <p:nvGrpSpPr>
-          <p:cNvPr name="Group 2" id="2"/>
+          <p:cNvPr id="2" name="Group 2"/>
           <p:cNvGrpSpPr/>
           <p:nvPr/>
         </p:nvGrpSpPr>
         <p:grpSpPr>
-          <a:xfrm rot="0">
+          <a:xfrm>
             <a:off x="-2770706" y="-3368517"/>
             <a:ext cx="4959890" cy="4959890"/>
             <a:chOff x="0" y="0"/>
@@ -7417,12 +7765,12 @@
         </p:grpSpPr>
         <p:sp>
           <p:nvSpPr>
-            <p:cNvPr name="Freeform 3" id="3"/>
+            <p:cNvPr id="3" name="Freeform 3"/>
             <p:cNvSpPr/>
             <p:nvPr/>
           </p:nvSpPr>
           <p:spPr>
-            <a:xfrm flipH="false" flipV="false" rot="0">
+            <a:xfrm>
               <a:off x="0" y="0"/>
               <a:ext cx="812800" cy="812800"/>
             </a:xfrm>
@@ -7431,9 +7779,9 @@
               <a:gdLst/>
               <a:ahLst/>
               <a:cxnLst/>
-              <a:rect r="r" b="b" t="t" l="l"/>
+              <a:rect l="l" t="t" r="r" b="b"/>
               <a:pathLst>
-                <a:path h="812800" w="812800">
+                <a:path w="812800" h="812800">
                   <a:moveTo>
                     <a:pt x="406400" y="0"/>
                   </a:moveTo>
@@ -7468,8 +7816,8 @@
         </p:sp>
         <p:sp>
           <p:nvSpPr>
-            <p:cNvPr name="TextBox 4" id="4"/>
-            <p:cNvSpPr txBox="true"/>
+            <p:cNvPr id="4" name="TextBox 4"/>
+            <p:cNvSpPr txBox="1"/>
             <p:nvPr/>
           </p:nvSpPr>
           <p:spPr>
@@ -7482,7 +7830,7 @@
             </a:prstGeom>
           </p:spPr>
           <p:txBody>
-            <a:bodyPr anchor="ctr" rtlCol="false" tIns="50800" lIns="50800" bIns="50800" rIns="50800"/>
+            <a:bodyPr lIns="50800" tIns="50800" rIns="50800" bIns="50800" rtlCol="0" anchor="ctr"/>
             <a:lstStyle/>
             <a:p>
               <a:pPr algn="ctr">
@@ -7490,18 +7838,19 @@
                   <a:spcPts val="2859"/>
                 </a:lnSpc>
               </a:pPr>
+              <a:endParaRPr/>
             </a:p>
           </p:txBody>
         </p:sp>
       </p:grpSp>
       <p:grpSp>
         <p:nvGrpSpPr>
-          <p:cNvPr name="Group 5" id="5"/>
+          <p:cNvPr id="5" name="Group 5"/>
           <p:cNvGrpSpPr/>
           <p:nvPr/>
         </p:nvGrpSpPr>
         <p:grpSpPr>
-          <a:xfrm rot="0">
+          <a:xfrm>
             <a:off x="9144000" y="1278539"/>
             <a:ext cx="13188954" cy="13188954"/>
             <a:chOff x="0" y="0"/>
@@ -7510,12 +7859,12 @@
         </p:grpSpPr>
         <p:sp>
           <p:nvSpPr>
-            <p:cNvPr name="Freeform 6" id="6"/>
+            <p:cNvPr id="6" name="Freeform 6"/>
             <p:cNvSpPr/>
             <p:nvPr/>
           </p:nvSpPr>
           <p:spPr>
-            <a:xfrm flipH="false" flipV="false" rot="0">
+            <a:xfrm>
               <a:off x="0" y="0"/>
               <a:ext cx="812800" cy="812800"/>
             </a:xfrm>
@@ -7524,9 +7873,9 @@
               <a:gdLst/>
               <a:ahLst/>
               <a:cxnLst/>
-              <a:rect r="r" b="b" t="t" l="l"/>
+              <a:rect l="l" t="t" r="r" b="b"/>
               <a:pathLst>
-                <a:path h="812800" w="812800">
+                <a:path w="812800" h="812800">
                   <a:moveTo>
                     <a:pt x="406400" y="0"/>
                   </a:moveTo>
@@ -7561,8 +7910,8 @@
         </p:sp>
         <p:sp>
           <p:nvSpPr>
-            <p:cNvPr name="TextBox 7" id="7"/>
-            <p:cNvSpPr txBox="true"/>
+            <p:cNvPr id="7" name="TextBox 7"/>
+            <p:cNvSpPr txBox="1"/>
             <p:nvPr/>
           </p:nvSpPr>
           <p:spPr>
@@ -7575,7 +7924,7 @@
             </a:prstGeom>
           </p:spPr>
           <p:txBody>
-            <a:bodyPr anchor="ctr" rtlCol="false" tIns="50800" lIns="50800" bIns="50800" rIns="50800"/>
+            <a:bodyPr lIns="50800" tIns="50800" rIns="50800" bIns="50800" rtlCol="0" anchor="ctr"/>
             <a:lstStyle/>
             <a:p>
               <a:pPr algn="ctr">
@@ -7583,18 +7932,19 @@
                   <a:spcPts val="2859"/>
                 </a:lnSpc>
               </a:pPr>
+              <a:endParaRPr/>
             </a:p>
           </p:txBody>
         </p:sp>
       </p:grpSp>
       <p:sp>
         <p:nvSpPr>
-          <p:cNvPr name="Freeform 8" id="8"/>
+          <p:cNvPr id="8" name="Freeform 8"/>
           <p:cNvSpPr/>
           <p:nvPr/>
         </p:nvSpPr>
         <p:spPr>
-          <a:xfrm flipH="false" flipV="false" rot="0">
+          <a:xfrm>
             <a:off x="-6639105" y="-5979128"/>
             <a:ext cx="12110389" cy="12426705"/>
           </a:xfrm>
@@ -7603,9 +7953,9 @@
             <a:gdLst/>
             <a:ahLst/>
             <a:cxnLst/>
-            <a:rect r="r" b="b" t="t" l="l"/>
+            <a:rect l="l" t="t" r="r" b="b"/>
             <a:pathLst>
-              <a:path h="12426705" w="12110389">
+              <a:path w="12110389" h="12426705">
                 <a:moveTo>
                   <a:pt x="0" y="0"/>
                 </a:moveTo>
@@ -7634,19 +7984,19 @@
               </a:extLst>
             </a:blip>
             <a:stretch>
-              <a:fillRect l="0" t="0" r="0" b="0"/>
+              <a:fillRect/>
             </a:stretch>
           </a:blipFill>
         </p:spPr>
       </p:sp>
       <p:sp>
         <p:nvSpPr>
-          <p:cNvPr name="Freeform 9" id="9"/>
+          <p:cNvPr id="9" name="Freeform 9"/>
           <p:cNvSpPr/>
           <p:nvPr/>
         </p:nvSpPr>
         <p:spPr>
-          <a:xfrm flipH="false" flipV="false" rot="-3986589">
+          <a:xfrm rot="-3986589">
             <a:off x="5084777" y="6259532"/>
             <a:ext cx="9894000" cy="10152425"/>
           </a:xfrm>
@@ -7655,9 +8005,9 @@
             <a:gdLst/>
             <a:ahLst/>
             <a:cxnLst/>
-            <a:rect r="r" b="b" t="t" l="l"/>
+            <a:rect l="l" t="t" r="r" b="b"/>
             <a:pathLst>
-              <a:path h="10152425" w="9894000">
+              <a:path w="9894000" h="10152425">
                 <a:moveTo>
                   <a:pt x="0" y="0"/>
                 </a:moveTo>
@@ -7686,19 +8036,19 @@
               </a:extLst>
             </a:blip>
             <a:stretch>
-              <a:fillRect l="0" t="0" r="0" b="0"/>
+              <a:fillRect/>
             </a:stretch>
           </a:blipFill>
         </p:spPr>
       </p:sp>
       <p:sp>
         <p:nvSpPr>
-          <p:cNvPr name="Freeform 10" id="10"/>
+          <p:cNvPr id="10" name="Freeform 10"/>
           <p:cNvSpPr/>
           <p:nvPr/>
         </p:nvSpPr>
         <p:spPr>
-          <a:xfrm flipH="false" flipV="false" rot="0">
+          <a:xfrm>
             <a:off x="11097868" y="3854154"/>
             <a:ext cx="6012511" cy="4965798"/>
           </a:xfrm>
@@ -7707,9 +8057,9 @@
             <a:gdLst/>
             <a:ahLst/>
             <a:cxnLst/>
-            <a:rect r="r" b="b" t="t" l="l"/>
+            <a:rect l="l" t="t" r="r" b="b"/>
             <a:pathLst>
-              <a:path h="4965798" w="6012511">
+              <a:path w="6012511" h="4965798">
                 <a:moveTo>
                   <a:pt x="0" y="0"/>
                 </a:moveTo>
@@ -7732,19 +8082,19 @@
           <a:blipFill>
             <a:blip r:embed="rId4"/>
             <a:stretch>
-              <a:fillRect l="0" t="0" r="0" b="0"/>
+              <a:fillRect/>
             </a:stretch>
           </a:blipFill>
         </p:spPr>
       </p:sp>
       <p:sp>
         <p:nvSpPr>
-          <p:cNvPr name="TextBox 11" id="11"/>
-          <p:cNvSpPr txBox="true"/>
+          <p:cNvPr id="11" name="TextBox 11"/>
+          <p:cNvSpPr txBox="1"/>
           <p:nvPr/>
         </p:nvSpPr>
         <p:spPr>
-          <a:xfrm rot="0">
+          <a:xfrm>
             <a:off x="2859824" y="406981"/>
             <a:ext cx="13018374" cy="1396186"/>
           </a:xfrm>
@@ -7753,7 +8103,7 @@
           </a:prstGeom>
         </p:spPr>
         <p:txBody>
-          <a:bodyPr anchor="t" rtlCol="false" tIns="0" lIns="0" bIns="0" rIns="0">
+          <a:bodyPr lIns="0" tIns="0" rIns="0" bIns="0" rtlCol="0" anchor="t">
             <a:spAutoFit/>
           </a:bodyPr>
           <a:lstStyle/>
@@ -7777,12 +8127,12 @@
       </p:sp>
       <p:sp>
         <p:nvSpPr>
-          <p:cNvPr name="TextBox 12" id="12"/>
-          <p:cNvSpPr txBox="true"/>
+          <p:cNvPr id="12" name="TextBox 12"/>
+          <p:cNvSpPr txBox="1"/>
           <p:nvPr/>
         </p:nvSpPr>
         <p:spPr>
-          <a:xfrm rot="0">
+          <a:xfrm>
             <a:off x="2737568" y="3806529"/>
             <a:ext cx="5741759" cy="5032372"/>
           </a:xfrm>
@@ -7791,7 +8141,7 @@
           </a:prstGeom>
         </p:spPr>
         <p:txBody>
-          <a:bodyPr anchor="t" rtlCol="false" tIns="0" lIns="0" bIns="0" rIns="0">
+          <a:bodyPr lIns="0" tIns="0" rIns="0" bIns="0" rtlCol="0" anchor="t">
             <a:spAutoFit/>
           </a:bodyPr>
           <a:lstStyle/>
@@ -7822,13 +8172,14 @@
 </file>
 
 <file path=ppt/slides/slide9.xml><?xml version="1.0" encoding="utf-8"?>
-<p:sld xmlns:p="http://schemas.openxmlformats.org/presentationml/2006/main" xmlns:a="http://schemas.openxmlformats.org/drawingml/2006/main" xmlns:r="http://schemas.openxmlformats.org/officeDocument/2006/relationships">
+<p:sld xmlns:a="http://schemas.openxmlformats.org/drawingml/2006/main" xmlns:r="http://schemas.openxmlformats.org/officeDocument/2006/relationships" xmlns:p="http://schemas.openxmlformats.org/presentationml/2006/main">
   <p:cSld>
     <p:bg>
       <p:bgPr>
         <a:solidFill>
           <a:srgbClr val="F2F4F5"/>
         </a:solidFill>
+        <a:effectLst/>
       </p:bgPr>
     </p:bg>
     <p:spTree>
@@ -7847,12 +8198,12 @@
       </p:grpSpPr>
       <p:sp>
         <p:nvSpPr>
-          <p:cNvPr name="Freeform 2" id="2"/>
+          <p:cNvPr id="2" name="Freeform 2"/>
           <p:cNvSpPr/>
           <p:nvPr/>
         </p:nvSpPr>
         <p:spPr>
-          <a:xfrm flipH="false" flipV="false" rot="887923">
+          <a:xfrm rot="887923">
             <a:off x="-2683214" y="7543802"/>
             <a:ext cx="13977230" cy="14342307"/>
           </a:xfrm>
@@ -7861,9 +8212,9 @@
             <a:gdLst/>
             <a:ahLst/>
             <a:cxnLst/>
-            <a:rect r="r" b="b" t="t" l="l"/>
+            <a:rect l="l" t="t" r="r" b="b"/>
             <a:pathLst>
-              <a:path h="14342307" w="13977230">
+              <a:path w="13977230" h="14342307">
                 <a:moveTo>
                   <a:pt x="0" y="0"/>
                 </a:moveTo>
@@ -7892,19 +8243,19 @@
               </a:extLst>
             </a:blip>
             <a:stretch>
-              <a:fillRect l="0" t="0" r="0" b="0"/>
+              <a:fillRect/>
             </a:stretch>
           </a:blipFill>
         </p:spPr>
       </p:sp>
       <p:sp>
         <p:nvSpPr>
-          <p:cNvPr name="Freeform 3" id="3"/>
+          <p:cNvPr id="3" name="Freeform 3"/>
           <p:cNvSpPr/>
           <p:nvPr/>
         </p:nvSpPr>
         <p:spPr>
-          <a:xfrm flipH="false" flipV="false" rot="887923">
+          <a:xfrm rot="887923">
             <a:off x="12076940" y="-3354783"/>
             <a:ext cx="7032580" cy="7216267"/>
           </a:xfrm>
@@ -7913,9 +8264,9 @@
             <a:gdLst/>
             <a:ahLst/>
             <a:cxnLst/>
-            <a:rect r="r" b="b" t="t" l="l"/>
+            <a:rect l="l" t="t" r="r" b="b"/>
             <a:pathLst>
-              <a:path h="7216267" w="7032580">
+              <a:path w="7032580" h="7216267">
                 <a:moveTo>
                   <a:pt x="0" y="0"/>
                 </a:moveTo>
@@ -7944,19 +8295,19 @@
               </a:extLst>
             </a:blip>
             <a:stretch>
-              <a:fillRect l="0" t="0" r="0" b="0"/>
+              <a:fillRect/>
             </a:stretch>
           </a:blipFill>
         </p:spPr>
       </p:sp>
       <p:grpSp>
         <p:nvGrpSpPr>
-          <p:cNvPr name="Group 4" id="4"/>
+          <p:cNvPr id="4" name="Group 4"/>
           <p:cNvGrpSpPr/>
           <p:nvPr/>
         </p:nvGrpSpPr>
         <p:grpSpPr>
-          <a:xfrm rot="0">
+          <a:xfrm>
             <a:off x="16333169" y="8069439"/>
             <a:ext cx="2094695" cy="2377721"/>
             <a:chOff x="0" y="0"/>
@@ -7965,12 +8316,12 @@
         </p:grpSpPr>
         <p:sp>
           <p:nvSpPr>
-            <p:cNvPr name="Freeform 5" id="5"/>
+            <p:cNvPr id="5" name="Freeform 5"/>
             <p:cNvSpPr/>
             <p:nvPr/>
           </p:nvSpPr>
           <p:spPr>
-            <a:xfrm flipH="false" flipV="false" rot="0">
+            <a:xfrm>
               <a:off x="0" y="0"/>
               <a:ext cx="551689" cy="626231"/>
             </a:xfrm>
@@ -7979,9 +8330,9 @@
               <a:gdLst/>
               <a:ahLst/>
               <a:cxnLst/>
-              <a:rect r="r" b="b" t="t" l="l"/>
+              <a:rect l="l" t="t" r="r" b="b"/>
               <a:pathLst>
-                <a:path h="626231" w="551689">
+                <a:path w="551689" h="626231">
                   <a:moveTo>
                     <a:pt x="0" y="0"/>
                   </a:moveTo>
@@ -8005,8 +8356,8 @@
         </p:sp>
         <p:sp>
           <p:nvSpPr>
-            <p:cNvPr name="TextBox 6" id="6"/>
-            <p:cNvSpPr txBox="true"/>
+            <p:cNvPr id="6" name="TextBox 6"/>
+            <p:cNvSpPr txBox="1"/>
             <p:nvPr/>
           </p:nvSpPr>
           <p:spPr>
@@ -8019,7 +8370,7 @@
             </a:prstGeom>
           </p:spPr>
           <p:txBody>
-            <a:bodyPr anchor="ctr" rtlCol="false" tIns="50800" lIns="50800" bIns="50800" rIns="50800"/>
+            <a:bodyPr lIns="50800" tIns="50800" rIns="50800" bIns="50800" rtlCol="0" anchor="ctr"/>
             <a:lstStyle/>
             <a:p>
               <a:pPr algn="ctr">
@@ -8027,18 +8378,19 @@
                   <a:spcPts val="2859"/>
                 </a:lnSpc>
               </a:pPr>
+              <a:endParaRPr/>
             </a:p>
           </p:txBody>
         </p:sp>
       </p:grpSp>
       <p:grpSp>
         <p:nvGrpSpPr>
-          <p:cNvPr name="Group 7" id="7"/>
+          <p:cNvPr id="7" name="Group 7"/>
           <p:cNvGrpSpPr/>
           <p:nvPr/>
         </p:nvGrpSpPr>
         <p:grpSpPr>
-          <a:xfrm rot="0">
+          <a:xfrm>
             <a:off x="-224419" y="-1349021"/>
             <a:ext cx="2094695" cy="2377721"/>
             <a:chOff x="0" y="0"/>
@@ -8047,12 +8399,12 @@
         </p:grpSpPr>
         <p:sp>
           <p:nvSpPr>
-            <p:cNvPr name="Freeform 8" id="8"/>
+            <p:cNvPr id="8" name="Freeform 8"/>
             <p:cNvSpPr/>
             <p:nvPr/>
           </p:nvSpPr>
           <p:spPr>
-            <a:xfrm flipH="false" flipV="false" rot="0">
+            <a:xfrm>
               <a:off x="0" y="0"/>
               <a:ext cx="551689" cy="626231"/>
             </a:xfrm>
@@ -8061,9 +8413,9 @@
               <a:gdLst/>
               <a:ahLst/>
               <a:cxnLst/>
-              <a:rect r="r" b="b" t="t" l="l"/>
+              <a:rect l="l" t="t" r="r" b="b"/>
               <a:pathLst>
-                <a:path h="626231" w="551689">
+                <a:path w="551689" h="626231">
                   <a:moveTo>
                     <a:pt x="0" y="0"/>
                   </a:moveTo>
@@ -8087,8 +8439,8 @@
         </p:sp>
         <p:sp>
           <p:nvSpPr>
-            <p:cNvPr name="TextBox 9" id="9"/>
-            <p:cNvSpPr txBox="true"/>
+            <p:cNvPr id="9" name="TextBox 9"/>
+            <p:cNvSpPr txBox="1"/>
             <p:nvPr/>
           </p:nvSpPr>
           <p:spPr>
@@ -8101,7 +8453,7 @@
             </a:prstGeom>
           </p:spPr>
           <p:txBody>
-            <a:bodyPr anchor="ctr" rtlCol="false" tIns="50800" lIns="50800" bIns="50800" rIns="50800"/>
+            <a:bodyPr lIns="50800" tIns="50800" rIns="50800" bIns="50800" rtlCol="0" anchor="ctr"/>
             <a:lstStyle/>
             <a:p>
               <a:pPr algn="ctr">
@@ -8109,18 +8461,19 @@
                   <a:spcPts val="2859"/>
                 </a:lnSpc>
               </a:pPr>
+              <a:endParaRPr/>
             </a:p>
           </p:txBody>
         </p:sp>
       </p:grpSp>
       <p:sp>
         <p:nvSpPr>
-          <p:cNvPr name="Freeform 10" id="10"/>
+          <p:cNvPr id="10" name="Freeform 10"/>
           <p:cNvSpPr/>
           <p:nvPr/>
         </p:nvSpPr>
         <p:spPr>
-          <a:xfrm flipH="false" flipV="false" rot="0">
+          <a:xfrm>
             <a:off x="10312669" y="2840630"/>
             <a:ext cx="4922668" cy="4922668"/>
           </a:xfrm>
@@ -8129,9 +8482,9 @@
             <a:gdLst/>
             <a:ahLst/>
             <a:cxnLst/>
-            <a:rect r="r" b="b" t="t" l="l"/>
+            <a:rect l="l" t="t" r="r" b="b"/>
             <a:pathLst>
-              <a:path h="4922668" w="4922668">
+              <a:path w="4922668" h="4922668">
                 <a:moveTo>
                   <a:pt x="0" y="0"/>
                 </a:moveTo>
@@ -8154,19 +8507,19 @@
           <a:blipFill>
             <a:blip r:embed="rId4"/>
             <a:stretch>
-              <a:fillRect l="0" t="0" r="0" b="0"/>
+              <a:fillRect/>
             </a:stretch>
           </a:blipFill>
         </p:spPr>
       </p:sp>
       <p:sp>
         <p:nvSpPr>
-          <p:cNvPr name="TextBox 11" id="11"/>
-          <p:cNvSpPr txBox="true"/>
+          <p:cNvPr id="11" name="TextBox 11"/>
+          <p:cNvSpPr txBox="1"/>
           <p:nvPr/>
         </p:nvSpPr>
         <p:spPr>
-          <a:xfrm rot="0">
+          <a:xfrm>
             <a:off x="2361367" y="122624"/>
             <a:ext cx="15019150" cy="3241963"/>
           </a:xfrm>
@@ -8175,12 +8528,12 @@
           </a:prstGeom>
         </p:spPr>
         <p:txBody>
-          <a:bodyPr anchor="t" rtlCol="false" tIns="0" lIns="0" bIns="0" rIns="0">
+          <a:bodyPr lIns="0" tIns="0" rIns="0" bIns="0" rtlCol="0" anchor="t">
             <a:spAutoFit/>
           </a:bodyPr>
           <a:lstStyle/>
           <a:p>
-            <a:pPr marL="0" indent="0" lvl="0">
+            <a:pPr marL="0" lvl="0" indent="0">
               <a:lnSpc>
                 <a:spcPts val="13015"/>
               </a:lnSpc>
@@ -8202,12 +8555,12 @@
       </p:sp>
       <p:sp>
         <p:nvSpPr>
-          <p:cNvPr name="TextBox 12" id="12"/>
-          <p:cNvSpPr txBox="true"/>
+          <p:cNvPr id="12" name="TextBox 12"/>
+          <p:cNvSpPr txBox="1"/>
           <p:nvPr/>
         </p:nvSpPr>
         <p:spPr>
-          <a:xfrm rot="0">
+          <a:xfrm>
             <a:off x="2361367" y="3861314"/>
             <a:ext cx="6162866" cy="3108526"/>
           </a:xfrm>
@@ -8216,7 +8569,7 @@
           </a:prstGeom>
         </p:spPr>
         <p:txBody>
-          <a:bodyPr anchor="t" rtlCol="false" tIns="0" lIns="0" bIns="0" rIns="0">
+          <a:bodyPr lIns="0" tIns="0" rIns="0" bIns="0" rtlCol="0" anchor="t">
             <a:spAutoFit/>
           </a:bodyPr>
           <a:lstStyle/>
